--- a/Poster PPT.pptx
+++ b/Poster PPT.pptx
@@ -3188,7 +3188,7 @@
         <p:spPr bwMode="auto">
           <a:xfrm>
             <a:off x="893620" y="5291138"/>
-            <a:ext cx="9448800" cy="4847481"/>
+            <a:ext cx="9448800" cy="2908489"/>
           </a:xfrm>
           <a:prstGeom prst="rect">
             <a:avLst/>
@@ -3333,38 +3333,17 @@
           </a:lstStyle>
           <a:p>
             <a:pPr eaLnBrk="1" hangingPunct="1"/>
-            <a:endParaRPr lang="en-US" sz="3400" dirty="0"/>
-          </a:p>
-          <a:p>
-            <a:pPr eaLnBrk="1" hangingPunct="1"/>
-            <a:endParaRPr lang="en-US" sz="3400" dirty="0"/>
-          </a:p>
-          <a:p>
-            <a:pPr eaLnBrk="1" hangingPunct="1"/>
-            <a:endParaRPr lang="en-US" sz="3400" dirty="0"/>
-          </a:p>
-          <a:p>
-            <a:pPr eaLnBrk="1" hangingPunct="1"/>
-            <a:endParaRPr lang="en-US" sz="3400" dirty="0"/>
-          </a:p>
-          <a:p>
-            <a:pPr eaLnBrk="1" hangingPunct="1"/>
-            <a:endParaRPr lang="en-US" sz="3400" dirty="0"/>
-          </a:p>
-          <a:p>
-            <a:pPr eaLnBrk="1" hangingPunct="1"/>
-            <a:endParaRPr lang="en-US" sz="3400" dirty="0"/>
-          </a:p>
-          <a:p>
-            <a:pPr eaLnBrk="1" hangingPunct="1"/>
-            <a:endParaRPr lang="en-US" sz="3400" dirty="0"/>
-          </a:p>
-          <a:p>
-            <a:pPr eaLnBrk="1" hangingPunct="1"/>
-            <a:endParaRPr lang="en-US" sz="3400" dirty="0"/>
-          </a:p>
-          <a:p>
-            <a:pPr eaLnBrk="1" hangingPunct="1"/>
+            <a:r>
+              <a:rPr lang="en-US" sz="3600">
+                <a:solidFill>
+                  <a:srgbClr val="000000"/>
+                </a:solidFill>
+                <a:latin typeface="System Font Regular"/>
+                <a:ea typeface="ヒラギノ角ゴ Pro W3"/>
+                <a:cs typeface="Times New Roman" panose="02020603050405020304" pitchFamily="18" charset="0"/>
+              </a:rPr>
+              <a:t>Fid’Lin, the fiddle / violin player practice app, is an application intended to aid fiddle or violin players learn how to play and practice their instrument. The app shall assist with tuning, intonation, scales, tempo, etc. </a:t>
+            </a:r>
             <a:endParaRPr lang="en-US" sz="3400" dirty="0"/>
           </a:p>
         </p:txBody>
@@ -3476,7 +3455,7 @@
         <p:spPr bwMode="auto">
           <a:xfrm>
             <a:off x="741220" y="12801600"/>
-            <a:ext cx="9753600" cy="9969500"/>
+            <a:ext cx="9753600" cy="8756243"/>
           </a:xfrm>
           <a:prstGeom prst="rect">
             <a:avLst/>
@@ -3622,232 +3601,55 @@
           <a:p>
             <a:pPr eaLnBrk="1" hangingPunct="1"/>
             <a:r>
-              <a:rPr lang="en-US" sz="3400" dirty="0"/>
-              <a:t>Insert your text here. Remember, you can change your font size to fit your data. In general, the larger your font, the easier it is for others to read.</a:t>
-            </a:r>
-          </a:p>
-          <a:p>
-            <a:pPr eaLnBrk="1" hangingPunct="1"/>
-            <a:endParaRPr lang="en-US" sz="3400" dirty="0"/>
-          </a:p>
-          <a:p>
-            <a:pPr eaLnBrk="1" hangingPunct="1"/>
-            <a:endParaRPr lang="en-US" sz="3400" dirty="0"/>
-          </a:p>
-          <a:p>
-            <a:pPr eaLnBrk="1" hangingPunct="1"/>
-            <a:endParaRPr lang="en-US" sz="3400" dirty="0"/>
-          </a:p>
-          <a:p>
-            <a:pPr eaLnBrk="1" hangingPunct="1"/>
-            <a:endParaRPr lang="en-US" sz="3400" dirty="0"/>
-          </a:p>
-          <a:p>
-            <a:pPr eaLnBrk="1" hangingPunct="1"/>
-            <a:endParaRPr lang="en-US" sz="3400" dirty="0"/>
-          </a:p>
-          <a:p>
-            <a:pPr eaLnBrk="1" hangingPunct="1"/>
-            <a:endParaRPr lang="en-US" sz="3400" dirty="0"/>
-          </a:p>
-          <a:p>
-            <a:pPr eaLnBrk="1" hangingPunct="1"/>
-            <a:endParaRPr lang="en-US" sz="3400" dirty="0"/>
-          </a:p>
-          <a:p>
-            <a:pPr eaLnBrk="1" hangingPunct="1"/>
-            <a:endParaRPr lang="en-US" sz="3400" dirty="0"/>
-          </a:p>
-          <a:p>
-            <a:pPr eaLnBrk="1" hangingPunct="1"/>
-            <a:endParaRPr lang="en-US" sz="3400" dirty="0"/>
-          </a:p>
-          <a:p>
-            <a:pPr eaLnBrk="1" hangingPunct="1"/>
-            <a:endParaRPr lang="en-US" sz="3400" dirty="0"/>
-          </a:p>
-          <a:p>
-            <a:pPr eaLnBrk="1" hangingPunct="1"/>
-            <a:endParaRPr lang="en-US" sz="3400" dirty="0"/>
-          </a:p>
-          <a:p>
-            <a:pPr eaLnBrk="1" hangingPunct="1"/>
-            <a:endParaRPr lang="en-US" sz="3400" dirty="0"/>
-          </a:p>
-          <a:p>
-            <a:pPr eaLnBrk="1" hangingPunct="1"/>
-            <a:endParaRPr lang="en-US" sz="3400" dirty="0"/>
-          </a:p>
-          <a:p>
-            <a:pPr eaLnBrk="1" hangingPunct="1"/>
-            <a:endParaRPr lang="en-US" sz="3400" dirty="0"/>
-          </a:p>
-          <a:p>
-            <a:pPr eaLnBrk="1" hangingPunct="1"/>
-            <a:endParaRPr lang="en-US" sz="3400" dirty="0"/>
-          </a:p>
-        </p:txBody>
-      </p:sp>
-      <p:sp>
-        <p:nvSpPr>
-          <p:cNvPr id="12" name="Text Box 10"/>
-          <p:cNvSpPr txBox="1">
-            <a:spLocks noChangeArrowheads="1"/>
-          </p:cNvSpPr>
-          <p:nvPr/>
-        </p:nvSpPr>
-        <p:spPr bwMode="auto">
-          <a:xfrm>
-            <a:off x="33202417" y="17392650"/>
-            <a:ext cx="10439400" cy="1689100"/>
-          </a:xfrm>
-          <a:prstGeom prst="rect">
-            <a:avLst/>
-          </a:prstGeom>
-          <a:noFill/>
-          <a:ln>
-            <a:noFill/>
-          </a:ln>
-          <a:extLst>
-            <a:ext uri="{909E8E84-426E-40DD-AFC4-6F175D3DCCD1}">
-              <a14:hiddenFill xmlns:a14="http://schemas.microsoft.com/office/drawing/2010/main">
-                <a:solidFill>
-                  <a:schemeClr val="accent1"/>
-                </a:solidFill>
-              </a14:hiddenFill>
-            </a:ext>
-            <a:ext uri="{91240B29-F687-4F45-9708-019B960494DF}">
-              <a14:hiddenLine xmlns:a14="http://schemas.microsoft.com/office/drawing/2010/main" w="9525">
-                <a:solidFill>
-                  <a:schemeClr val="tx1"/>
-                </a:solidFill>
-                <a:miter lim="800000"/>
-                <a:headEnd/>
-                <a:tailEnd/>
-              </a14:hiddenLine>
-            </a:ext>
-            <a:ext uri="{AF507438-7753-43E0-B8FC-AC1667EBCBE1}">
-              <a14:hiddenEffects xmlns:a14="http://schemas.microsoft.com/office/drawing/2010/main">
-                <a:effectLst>
-                  <a:outerShdw dist="35921" dir="2700000" algn="ctr" rotWithShape="0">
-                    <a:schemeClr val="bg2"/>
-                  </a:outerShdw>
-                </a:effectLst>
-              </a14:hiddenEffects>
-            </a:ext>
-          </a:extLst>
-        </p:spPr>
-        <p:txBody>
-          <a:bodyPr lIns="137160" tIns="68580" rIns="137160" bIns="68580">
-            <a:spAutoFit/>
-          </a:bodyPr>
-          <a:lstStyle>
-            <a:defPPr>
-              <a:defRPr kern="1200" smtId="4294967295"/>
-            </a:defPPr>
-            <a:lvl1pPr defTabSz="4703763" eaLnBrk="0" hangingPunct="0">
-              <a:defRPr sz="9300">
-                <a:solidFill>
-                  <a:schemeClr val="tx1"/>
-                </a:solidFill>
-                <a:latin typeface="Arial"/>
-              </a:defRPr>
-            </a:lvl1pPr>
-            <a:lvl2pPr marL="742950" indent="-285750" defTabSz="4703763" eaLnBrk="0" hangingPunct="0">
-              <a:defRPr sz="9300">
-                <a:solidFill>
-                  <a:schemeClr val="tx1"/>
-                </a:solidFill>
-                <a:latin typeface="Arial"/>
-              </a:defRPr>
-            </a:lvl2pPr>
-            <a:lvl3pPr marL="1143000" indent="-228600" defTabSz="4703763" eaLnBrk="0" hangingPunct="0">
-              <a:defRPr sz="9300">
-                <a:solidFill>
-                  <a:schemeClr val="tx1"/>
-                </a:solidFill>
-                <a:latin typeface="Arial"/>
-              </a:defRPr>
-            </a:lvl3pPr>
-            <a:lvl4pPr marL="1600200" indent="-228600" defTabSz="4703763" eaLnBrk="0" hangingPunct="0">
-              <a:defRPr sz="9300">
-                <a:solidFill>
-                  <a:schemeClr val="tx1"/>
-                </a:solidFill>
-                <a:latin typeface="Arial"/>
-              </a:defRPr>
-            </a:lvl4pPr>
-            <a:lvl5pPr marL="2057400" indent="-228600" defTabSz="4703763" eaLnBrk="0" hangingPunct="0">
-              <a:defRPr sz="9300">
-                <a:solidFill>
-                  <a:schemeClr val="tx1"/>
-                </a:solidFill>
-                <a:latin typeface="Arial"/>
-              </a:defRPr>
-            </a:lvl5pPr>
-            <a:lvl6pPr marL="2514600" indent="-228600" defTabSz="4703763" eaLnBrk="0" fontAlgn="base" hangingPunct="0">
-              <a:spcBef>
-                <a:spcPct val="0"/>
-              </a:spcBef>
-              <a:spcAft>
-                <a:spcPct val="0"/>
-              </a:spcAft>
-              <a:defRPr sz="9300">
-                <a:solidFill>
-                  <a:schemeClr val="tx1"/>
-                </a:solidFill>
-                <a:latin typeface="Arial"/>
-              </a:defRPr>
-            </a:lvl6pPr>
-            <a:lvl7pPr marL="2971800" indent="-228600" defTabSz="4703763" eaLnBrk="0" fontAlgn="base" hangingPunct="0">
-              <a:spcBef>
-                <a:spcPct val="0"/>
-              </a:spcBef>
-              <a:spcAft>
-                <a:spcPct val="0"/>
-              </a:spcAft>
-              <a:defRPr sz="9300">
-                <a:solidFill>
-                  <a:schemeClr val="tx1"/>
-                </a:solidFill>
-                <a:latin typeface="Arial"/>
-              </a:defRPr>
-            </a:lvl7pPr>
-            <a:lvl8pPr marL="3429000" indent="-228600" defTabSz="4703763" eaLnBrk="0" fontAlgn="base" hangingPunct="0">
-              <a:spcBef>
-                <a:spcPct val="0"/>
-              </a:spcBef>
-              <a:spcAft>
-                <a:spcPct val="0"/>
-              </a:spcAft>
-              <a:defRPr sz="9300">
-                <a:solidFill>
-                  <a:schemeClr val="tx1"/>
-                </a:solidFill>
-                <a:latin typeface="Arial"/>
-              </a:defRPr>
-            </a:lvl8pPr>
-            <a:lvl9pPr marL="3886200" indent="-228600" defTabSz="4703763" eaLnBrk="0" fontAlgn="base" hangingPunct="0">
-              <a:spcBef>
-                <a:spcPct val="0"/>
-              </a:spcBef>
-              <a:spcAft>
-                <a:spcPct val="0"/>
-              </a:spcAft>
-              <a:defRPr sz="9300">
-                <a:solidFill>
-                  <a:schemeClr val="tx1"/>
-                </a:solidFill>
-                <a:latin typeface="Arial"/>
-              </a:defRPr>
-            </a:lvl9pPr>
-          </a:lstStyle>
-          <a:p>
-            <a:pPr eaLnBrk="1" hangingPunct="1"/>
-            <a:r>
-              <a:rPr lang="en-US" sz="3400"/>
-              <a:t>Insert your own information here. Remember, you can change the template colors to suit your own taste</a:t>
-            </a:r>
+              <a:rPr lang="en-US" sz="2800" dirty="0">
+                <a:latin typeface="Calibri" panose="020F0502020204030204" pitchFamily="34" charset="0"/>
+                <a:ea typeface="Calibri" panose="020F0502020204030204" pitchFamily="34" charset="0"/>
+              </a:rPr>
+              <a:t>Learning to play a musical instrument can be a difficult and time consuming process. Regular practice is an important part of learning an instrument. Thus, in order to effectively learn an instrument, practice must be done in an efficient manner. For a stringed instrument such as a fiddle or violin, this means checking if the open strings are tuned correctly as well as checking if the fiddler’s fingers are in the correct position. Our application, </a:t>
+            </a:r>
+            <a:r>
+              <a:rPr lang="en-US" sz="2800" dirty="0" err="1">
+                <a:latin typeface="Calibri" panose="020F0502020204030204" pitchFamily="34" charset="0"/>
+                <a:ea typeface="Calibri" panose="020F0502020204030204" pitchFamily="34" charset="0"/>
+              </a:rPr>
+              <a:t>FidLin</a:t>
+            </a:r>
+            <a:r>
+              <a:rPr lang="en-US" sz="2800" dirty="0">
+                <a:latin typeface="Calibri" panose="020F0502020204030204" pitchFamily="34" charset="0"/>
+                <a:ea typeface="Calibri" panose="020F0502020204030204" pitchFamily="34" charset="0"/>
+              </a:rPr>
+              <a:t>, is created to help fiddle, and violin players alike practice properly in order to get the most effective usage of their time rehearsing. Thus, </a:t>
+            </a:r>
+            <a:r>
+              <a:rPr lang="en-US" sz="2800" dirty="0" err="1">
+                <a:latin typeface="Calibri" panose="020F0502020204030204" pitchFamily="34" charset="0"/>
+                <a:ea typeface="Calibri" panose="020F0502020204030204" pitchFamily="34" charset="0"/>
+              </a:rPr>
+              <a:t>FidLin</a:t>
+            </a:r>
+            <a:r>
+              <a:rPr lang="en-US" sz="2800" dirty="0">
+                <a:latin typeface="Calibri" panose="020F0502020204030204" pitchFamily="34" charset="0"/>
+                <a:ea typeface="Calibri" panose="020F0502020204030204" pitchFamily="34" charset="0"/>
+              </a:rPr>
+              <a:t> will include a profile system to help the user keep up with their progress as they practice their instrument. </a:t>
+            </a:r>
+            <a:r>
+              <a:rPr lang="en-US" sz="2800" dirty="0" err="1">
+                <a:latin typeface="Calibri" panose="020F0502020204030204" pitchFamily="34" charset="0"/>
+                <a:ea typeface="Calibri" panose="020F0502020204030204" pitchFamily="34" charset="0"/>
+              </a:rPr>
+              <a:t>FidLin</a:t>
+            </a:r>
+            <a:r>
+              <a:rPr lang="en-US" sz="2800" dirty="0">
+                <a:latin typeface="Calibri" panose="020F0502020204030204" pitchFamily="34" charset="0"/>
+                <a:ea typeface="Calibri" panose="020F0502020204030204" pitchFamily="34" charset="0"/>
+              </a:rPr>
+              <a:t> allows the user to properly tune their open strings. Additionally, our application gives the user feedback while they play to allow them to determine where they need more practice. By including a metronome, our application also assists musicians to keep a tempo. In order to assist with finger positions and intonation, our application provides practice scales for the user to play along with while providing feedback on what the fiddle player plays. By providing these abilities our application assists fiddle players to make the most of their time practicing. </a:t>
+            </a:r>
+            <a:endParaRPr lang="en-US" sz="2800" dirty="0"/>
           </a:p>
         </p:txBody>
       </p:sp>
@@ -3942,218 +3744,7 @@
                 <a:latin typeface="Arial" panose="020B0604020202020204" pitchFamily="34" charset="0"/>
                 <a:cs typeface="Arial" panose="020B0604020202020204" pitchFamily="34" charset="0"/>
               </a:rPr>
-              <a:t>Results</a:t>
-            </a:r>
-          </a:p>
-        </p:txBody>
-      </p:sp>
-      <p:sp>
-        <p:nvSpPr>
-          <p:cNvPr id="15" name="Rectangle 13"/>
-          <p:cNvSpPr>
-            <a:spLocks noChangeArrowheads="1"/>
-          </p:cNvSpPr>
-          <p:nvPr/>
-        </p:nvSpPr>
-        <p:spPr bwMode="auto">
-          <a:xfrm>
-            <a:off x="11201400" y="13585825"/>
-            <a:ext cx="10358438" cy="782638"/>
-          </a:xfrm>
-          <a:prstGeom prst="rect">
-            <a:avLst/>
-          </a:prstGeom>
-          <a:solidFill>
-            <a:schemeClr val="accent5">
-              <a:lumMod val="50000"/>
-            </a:schemeClr>
-          </a:solidFill>
-          <a:ln>
-            <a:noFill/>
-          </a:ln>
-          <a:effectLst/>
-        </p:spPr>
-        <p:txBody>
-          <a:bodyPr wrap="none" lIns="137160" tIns="68580" rIns="137160" bIns="68580" anchor="ctr"/>
-          <a:lstStyle>
-            <a:defPPr>
-              <a:defRPr kern="1200" smtId="4294967295"/>
-            </a:defPPr>
-          </a:lstStyle>
-          <a:p>
-            <a:pPr defTabSz="4703763"/>
-            <a:r>
-              <a:rPr lang="en-US" sz="5100" dirty="0">
-                <a:solidFill>
-                  <a:schemeClr val="bg1"/>
-                </a:solidFill>
-                <a:latin typeface="Arial" panose="020B0604020202020204" pitchFamily="34" charset="0"/>
-                <a:cs typeface="Arial" panose="020B0604020202020204" pitchFamily="34" charset="0"/>
-              </a:rPr>
-              <a:t>Methods &amp; Materials</a:t>
-            </a:r>
-          </a:p>
-        </p:txBody>
-      </p:sp>
-      <p:sp>
-        <p:nvSpPr>
-          <p:cNvPr id="16" name="Text Box 14"/>
-          <p:cNvSpPr txBox="1">
-            <a:spLocks noChangeArrowheads="1"/>
-          </p:cNvSpPr>
-          <p:nvPr/>
-        </p:nvSpPr>
-        <p:spPr bwMode="auto">
-          <a:xfrm>
-            <a:off x="11277600" y="14859000"/>
-            <a:ext cx="10210800" cy="1644650"/>
-          </a:xfrm>
-          <a:prstGeom prst="rect">
-            <a:avLst/>
-          </a:prstGeom>
-          <a:noFill/>
-          <a:ln>
-            <a:noFill/>
-          </a:ln>
-          <a:extLst>
-            <a:ext uri="{909E8E84-426E-40DD-AFC4-6F175D3DCCD1}">
-              <a14:hiddenFill xmlns:a14="http://schemas.microsoft.com/office/drawing/2010/main">
-                <a:solidFill>
-                  <a:schemeClr val="accent1"/>
-                </a:solidFill>
-              </a14:hiddenFill>
-            </a:ext>
-            <a:ext uri="{91240B29-F687-4F45-9708-019B960494DF}">
-              <a14:hiddenLine xmlns:a14="http://schemas.microsoft.com/office/drawing/2010/main" w="9525">
-                <a:solidFill>
-                  <a:schemeClr val="tx1"/>
-                </a:solidFill>
-                <a:miter lim="800000"/>
-                <a:headEnd/>
-                <a:tailEnd/>
-              </a14:hiddenLine>
-            </a:ext>
-            <a:ext uri="{AF507438-7753-43E0-B8FC-AC1667EBCBE1}">
-              <a14:hiddenEffects xmlns:a14="http://schemas.microsoft.com/office/drawing/2010/main">
-                <a:effectLst>
-                  <a:outerShdw dist="35921" dir="2700000" algn="ctr" rotWithShape="0">
-                    <a:schemeClr val="bg2"/>
-                  </a:outerShdw>
-                </a:effectLst>
-              </a14:hiddenEffects>
-            </a:ext>
-          </a:extLst>
-        </p:spPr>
-        <p:txBody>
-          <a:bodyPr>
-            <a:spAutoFit/>
-          </a:bodyPr>
-          <a:lstStyle>
-            <a:defPPr>
-              <a:defRPr kern="1200" smtId="4294967295"/>
-            </a:defPPr>
-            <a:lvl1pPr defTabSz="4703763" eaLnBrk="0" hangingPunct="0">
-              <a:defRPr sz="9300">
-                <a:solidFill>
-                  <a:schemeClr val="tx1"/>
-                </a:solidFill>
-                <a:latin typeface="Arial"/>
-              </a:defRPr>
-            </a:lvl1pPr>
-            <a:lvl2pPr marL="742950" indent="-285750" defTabSz="4703763" eaLnBrk="0" hangingPunct="0">
-              <a:defRPr sz="9300">
-                <a:solidFill>
-                  <a:schemeClr val="tx1"/>
-                </a:solidFill>
-                <a:latin typeface="Arial"/>
-              </a:defRPr>
-            </a:lvl2pPr>
-            <a:lvl3pPr marL="1143000" indent="-228600" defTabSz="4703763" eaLnBrk="0" hangingPunct="0">
-              <a:defRPr sz="9300">
-                <a:solidFill>
-                  <a:schemeClr val="tx1"/>
-                </a:solidFill>
-                <a:latin typeface="Arial"/>
-              </a:defRPr>
-            </a:lvl3pPr>
-            <a:lvl4pPr marL="1600200" indent="-228600" defTabSz="4703763" eaLnBrk="0" hangingPunct="0">
-              <a:defRPr sz="9300">
-                <a:solidFill>
-                  <a:schemeClr val="tx1"/>
-                </a:solidFill>
-                <a:latin typeface="Arial"/>
-              </a:defRPr>
-            </a:lvl4pPr>
-            <a:lvl5pPr marL="2057400" indent="-228600" defTabSz="4703763" eaLnBrk="0" hangingPunct="0">
-              <a:defRPr sz="9300">
-                <a:solidFill>
-                  <a:schemeClr val="tx1"/>
-                </a:solidFill>
-                <a:latin typeface="Arial"/>
-              </a:defRPr>
-            </a:lvl5pPr>
-            <a:lvl6pPr marL="2514600" indent="-228600" defTabSz="4703763" eaLnBrk="0" fontAlgn="base" hangingPunct="0">
-              <a:spcBef>
-                <a:spcPct val="0"/>
-              </a:spcBef>
-              <a:spcAft>
-                <a:spcPct val="0"/>
-              </a:spcAft>
-              <a:defRPr sz="9300">
-                <a:solidFill>
-                  <a:schemeClr val="tx1"/>
-                </a:solidFill>
-                <a:latin typeface="Arial"/>
-              </a:defRPr>
-            </a:lvl6pPr>
-            <a:lvl7pPr marL="2971800" indent="-228600" defTabSz="4703763" eaLnBrk="0" fontAlgn="base" hangingPunct="0">
-              <a:spcBef>
-                <a:spcPct val="0"/>
-              </a:spcBef>
-              <a:spcAft>
-                <a:spcPct val="0"/>
-              </a:spcAft>
-              <a:defRPr sz="9300">
-                <a:solidFill>
-                  <a:schemeClr val="tx1"/>
-                </a:solidFill>
-                <a:latin typeface="Arial"/>
-              </a:defRPr>
-            </a:lvl7pPr>
-            <a:lvl8pPr marL="3429000" indent="-228600" defTabSz="4703763" eaLnBrk="0" fontAlgn="base" hangingPunct="0">
-              <a:spcBef>
-                <a:spcPct val="0"/>
-              </a:spcBef>
-              <a:spcAft>
-                <a:spcPct val="0"/>
-              </a:spcAft>
-              <a:defRPr sz="9300">
-                <a:solidFill>
-                  <a:schemeClr val="tx1"/>
-                </a:solidFill>
-                <a:latin typeface="Arial"/>
-              </a:defRPr>
-            </a:lvl8pPr>
-            <a:lvl9pPr marL="3886200" indent="-228600" defTabSz="4703763" eaLnBrk="0" fontAlgn="base" hangingPunct="0">
-              <a:spcBef>
-                <a:spcPct val="0"/>
-              </a:spcBef>
-              <a:spcAft>
-                <a:spcPct val="0"/>
-              </a:spcAft>
-              <a:defRPr sz="9300">
-                <a:solidFill>
-                  <a:schemeClr val="tx1"/>
-                </a:solidFill>
-                <a:latin typeface="Arial"/>
-              </a:defRPr>
-            </a:lvl9pPr>
-          </a:lstStyle>
-          <a:p>
-            <a:pPr eaLnBrk="1" hangingPunct="1"/>
-            <a:r>
-              <a:rPr lang="en-US" sz="3400"/>
-              <a:t>Insert your text here. Remember, you can change your font size to fit your data. In general, the larger your font, the easier it is for others to read.</a:t>
+              <a:t>Methods &amp; tools used</a:t>
             </a:r>
           </a:p>
         </p:txBody>
@@ -4217,7 +3808,7 @@
         <p:spPr bwMode="auto">
           <a:xfrm>
             <a:off x="741220" y="27432000"/>
-            <a:ext cx="9448800" cy="5784850"/>
+            <a:ext cx="9448800" cy="3754874"/>
           </a:xfrm>
           <a:prstGeom prst="rect">
             <a:avLst/>
@@ -4362,38 +3953,31 @@
           </a:lstStyle>
           <a:p>
             <a:pPr eaLnBrk="1" hangingPunct="1"/>
-            <a:r>
-              <a:rPr lang="en-US" sz="3400"/>
-              <a:t>Insert your text here. Remember, you can change your font size to fit your data. In general, the larger your font, the easier it is for others to read.</a:t>
-            </a:r>
+            <a:endParaRPr lang="en-US" sz="3400" dirty="0"/>
           </a:p>
           <a:p>
             <a:pPr eaLnBrk="1" hangingPunct="1"/>
-            <a:endParaRPr lang="en-US" sz="3400"/>
+            <a:endParaRPr lang="en-US" sz="3400" dirty="0"/>
           </a:p>
           <a:p>
             <a:pPr eaLnBrk="1" hangingPunct="1"/>
-            <a:endParaRPr lang="en-US" sz="3400"/>
+            <a:endParaRPr lang="en-US" sz="3400" dirty="0"/>
           </a:p>
           <a:p>
             <a:pPr eaLnBrk="1" hangingPunct="1"/>
-            <a:endParaRPr lang="en-US" sz="3400"/>
+            <a:endParaRPr lang="en-US" sz="3400" dirty="0"/>
           </a:p>
           <a:p>
             <a:pPr eaLnBrk="1" hangingPunct="1"/>
-            <a:endParaRPr lang="en-US" sz="3400"/>
+            <a:endParaRPr lang="en-US" sz="3400" dirty="0"/>
           </a:p>
           <a:p>
             <a:pPr eaLnBrk="1" hangingPunct="1"/>
-            <a:endParaRPr lang="en-US" sz="3400"/>
+            <a:endParaRPr lang="en-US" sz="3400" dirty="0"/>
           </a:p>
           <a:p>
             <a:pPr eaLnBrk="1" hangingPunct="1"/>
-            <a:endParaRPr lang="en-US" sz="3400"/>
-          </a:p>
-          <a:p>
-            <a:pPr eaLnBrk="1" hangingPunct="1"/>
-            <a:endParaRPr lang="en-US" sz="3400"/>
+            <a:endParaRPr lang="en-US" sz="3400" dirty="0"/>
           </a:p>
         </p:txBody>
       </p:sp>
@@ -4456,7 +4040,7 @@
         <p:spPr bwMode="auto">
           <a:xfrm>
             <a:off x="665020" y="22794912"/>
-            <a:ext cx="9753600" cy="3714750"/>
+            <a:ext cx="9753600" cy="2185214"/>
           </a:xfrm>
           <a:prstGeom prst="rect">
             <a:avLst/>
@@ -4599,13 +4183,6 @@
               </a:defRPr>
             </a:lvl9pPr>
           </a:lstStyle>
-          <a:p>
-            <a:pPr eaLnBrk="1" hangingPunct="1"/>
-            <a:r>
-              <a:rPr lang="en-US" sz="3400" dirty="0"/>
-              <a:t>Insert your text here. Remember, you can change your font size to fit your data. In general, the larger your font, the easier it is for others to read</a:t>
-            </a:r>
-          </a:p>
           <a:p>
             <a:pPr eaLnBrk="1" hangingPunct="1"/>
             <a:endParaRPr lang="en-US" sz="3400" dirty="0"/>
@@ -4677,169 +4254,6 @@
       </p:sp>
       <p:sp>
         <p:nvSpPr>
-          <p:cNvPr id="22" name="Text Box 20"/>
-          <p:cNvSpPr txBox="1">
-            <a:spLocks noChangeArrowheads="1"/>
-          </p:cNvSpPr>
-          <p:nvPr/>
-        </p:nvSpPr>
-        <p:spPr bwMode="auto">
-          <a:xfrm>
-            <a:off x="33278617" y="5356225"/>
-            <a:ext cx="9982200" cy="1644650"/>
-          </a:xfrm>
-          <a:prstGeom prst="rect">
-            <a:avLst/>
-          </a:prstGeom>
-          <a:noFill/>
-          <a:ln>
-            <a:noFill/>
-          </a:ln>
-          <a:extLst>
-            <a:ext uri="{909E8E84-426E-40DD-AFC4-6F175D3DCCD1}">
-              <a14:hiddenFill xmlns:a14="http://schemas.microsoft.com/office/drawing/2010/main">
-                <a:solidFill>
-                  <a:schemeClr val="accent1"/>
-                </a:solidFill>
-              </a14:hiddenFill>
-            </a:ext>
-            <a:ext uri="{91240B29-F687-4F45-9708-019B960494DF}">
-              <a14:hiddenLine xmlns:a14="http://schemas.microsoft.com/office/drawing/2010/main" w="9525">
-                <a:solidFill>
-                  <a:schemeClr val="tx1"/>
-                </a:solidFill>
-                <a:miter lim="800000"/>
-                <a:headEnd/>
-                <a:tailEnd/>
-              </a14:hiddenLine>
-            </a:ext>
-            <a:ext uri="{AF507438-7753-43E0-B8FC-AC1667EBCBE1}">
-              <a14:hiddenEffects xmlns:a14="http://schemas.microsoft.com/office/drawing/2010/main">
-                <a:effectLst>
-                  <a:outerShdw dist="35921" dir="2700000" algn="ctr" rotWithShape="0">
-                    <a:schemeClr val="bg2"/>
-                  </a:outerShdw>
-                </a:effectLst>
-              </a14:hiddenEffects>
-            </a:ext>
-          </a:extLst>
-        </p:spPr>
-        <p:txBody>
-          <a:bodyPr>
-            <a:spAutoFit/>
-          </a:bodyPr>
-          <a:lstStyle>
-            <a:defPPr>
-              <a:defRPr kern="1200" smtId="4294967295"/>
-            </a:defPPr>
-            <a:lvl1pPr defTabSz="4703763" eaLnBrk="0" hangingPunct="0">
-              <a:defRPr sz="9300">
-                <a:solidFill>
-                  <a:schemeClr val="tx1"/>
-                </a:solidFill>
-                <a:latin typeface="Arial"/>
-              </a:defRPr>
-            </a:lvl1pPr>
-            <a:lvl2pPr marL="742950" indent="-285750" defTabSz="4703763" eaLnBrk="0" hangingPunct="0">
-              <a:defRPr sz="9300">
-                <a:solidFill>
-                  <a:schemeClr val="tx1"/>
-                </a:solidFill>
-                <a:latin typeface="Arial"/>
-              </a:defRPr>
-            </a:lvl2pPr>
-            <a:lvl3pPr marL="1143000" indent="-228600" defTabSz="4703763" eaLnBrk="0" hangingPunct="0">
-              <a:defRPr sz="9300">
-                <a:solidFill>
-                  <a:schemeClr val="tx1"/>
-                </a:solidFill>
-                <a:latin typeface="Arial"/>
-              </a:defRPr>
-            </a:lvl3pPr>
-            <a:lvl4pPr marL="1600200" indent="-228600" defTabSz="4703763" eaLnBrk="0" hangingPunct="0">
-              <a:defRPr sz="9300">
-                <a:solidFill>
-                  <a:schemeClr val="tx1"/>
-                </a:solidFill>
-                <a:latin typeface="Arial"/>
-              </a:defRPr>
-            </a:lvl4pPr>
-            <a:lvl5pPr marL="2057400" indent="-228600" defTabSz="4703763" eaLnBrk="0" hangingPunct="0">
-              <a:defRPr sz="9300">
-                <a:solidFill>
-                  <a:schemeClr val="tx1"/>
-                </a:solidFill>
-                <a:latin typeface="Arial"/>
-              </a:defRPr>
-            </a:lvl5pPr>
-            <a:lvl6pPr marL="2514600" indent="-228600" defTabSz="4703763" eaLnBrk="0" fontAlgn="base" hangingPunct="0">
-              <a:spcBef>
-                <a:spcPct val="0"/>
-              </a:spcBef>
-              <a:spcAft>
-                <a:spcPct val="0"/>
-              </a:spcAft>
-              <a:defRPr sz="9300">
-                <a:solidFill>
-                  <a:schemeClr val="tx1"/>
-                </a:solidFill>
-                <a:latin typeface="Arial"/>
-              </a:defRPr>
-            </a:lvl6pPr>
-            <a:lvl7pPr marL="2971800" indent="-228600" defTabSz="4703763" eaLnBrk="0" fontAlgn="base" hangingPunct="0">
-              <a:spcBef>
-                <a:spcPct val="0"/>
-              </a:spcBef>
-              <a:spcAft>
-                <a:spcPct val="0"/>
-              </a:spcAft>
-              <a:defRPr sz="9300">
-                <a:solidFill>
-                  <a:schemeClr val="tx1"/>
-                </a:solidFill>
-                <a:latin typeface="Arial"/>
-              </a:defRPr>
-            </a:lvl7pPr>
-            <a:lvl8pPr marL="3429000" indent="-228600" defTabSz="4703763" eaLnBrk="0" fontAlgn="base" hangingPunct="0">
-              <a:spcBef>
-                <a:spcPct val="0"/>
-              </a:spcBef>
-              <a:spcAft>
-                <a:spcPct val="0"/>
-              </a:spcAft>
-              <a:defRPr sz="9300">
-                <a:solidFill>
-                  <a:schemeClr val="tx1"/>
-                </a:solidFill>
-                <a:latin typeface="Arial"/>
-              </a:defRPr>
-            </a:lvl8pPr>
-            <a:lvl9pPr marL="3886200" indent="-228600" defTabSz="4703763" eaLnBrk="0" fontAlgn="base" hangingPunct="0">
-              <a:spcBef>
-                <a:spcPct val="0"/>
-              </a:spcBef>
-              <a:spcAft>
-                <a:spcPct val="0"/>
-              </a:spcAft>
-              <a:defRPr sz="9300">
-                <a:solidFill>
-                  <a:schemeClr val="tx1"/>
-                </a:solidFill>
-                <a:latin typeface="Arial"/>
-              </a:defRPr>
-            </a:lvl9pPr>
-          </a:lstStyle>
-          <a:p>
-            <a:pPr eaLnBrk="1" hangingPunct="1"/>
-            <a:r>
-              <a:rPr lang="en-US" sz="3400"/>
-              <a:t>Insert your text here. Remember, the template is only to get you started, and can be changed to suit your unique needs</a:t>
-            </a:r>
-          </a:p>
-        </p:txBody>
-      </p:sp>
-      <p:sp>
-        <p:nvSpPr>
           <p:cNvPr id="23" name="Rectangle 21"/>
           <p:cNvSpPr>
             <a:spLocks noChangeArrowheads="1"/>
@@ -4888,169 +4302,6 @@
       </p:sp>
       <p:sp>
         <p:nvSpPr>
-          <p:cNvPr id="24" name="Text Box 22"/>
-          <p:cNvSpPr txBox="1">
-            <a:spLocks noChangeArrowheads="1"/>
-          </p:cNvSpPr>
-          <p:nvPr/>
-        </p:nvSpPr>
-        <p:spPr bwMode="auto">
-          <a:xfrm>
-            <a:off x="33278617" y="13039725"/>
-            <a:ext cx="9982200" cy="1644650"/>
-          </a:xfrm>
-          <a:prstGeom prst="rect">
-            <a:avLst/>
-          </a:prstGeom>
-          <a:noFill/>
-          <a:ln>
-            <a:noFill/>
-          </a:ln>
-          <a:extLst>
-            <a:ext uri="{909E8E84-426E-40DD-AFC4-6F175D3DCCD1}">
-              <a14:hiddenFill xmlns:a14="http://schemas.microsoft.com/office/drawing/2010/main">
-                <a:solidFill>
-                  <a:schemeClr val="accent1"/>
-                </a:solidFill>
-              </a14:hiddenFill>
-            </a:ext>
-            <a:ext uri="{91240B29-F687-4F45-9708-019B960494DF}">
-              <a14:hiddenLine xmlns:a14="http://schemas.microsoft.com/office/drawing/2010/main" w="9525">
-                <a:solidFill>
-                  <a:schemeClr val="tx1"/>
-                </a:solidFill>
-                <a:miter lim="800000"/>
-                <a:headEnd/>
-                <a:tailEnd/>
-              </a14:hiddenLine>
-            </a:ext>
-            <a:ext uri="{AF507438-7753-43E0-B8FC-AC1667EBCBE1}">
-              <a14:hiddenEffects xmlns:a14="http://schemas.microsoft.com/office/drawing/2010/main">
-                <a:effectLst>
-                  <a:outerShdw dist="35921" dir="2700000" algn="ctr" rotWithShape="0">
-                    <a:schemeClr val="bg2"/>
-                  </a:outerShdw>
-                </a:effectLst>
-              </a14:hiddenEffects>
-            </a:ext>
-          </a:extLst>
-        </p:spPr>
-        <p:txBody>
-          <a:bodyPr>
-            <a:spAutoFit/>
-          </a:bodyPr>
-          <a:lstStyle>
-            <a:defPPr>
-              <a:defRPr kern="1200" smtId="4294967295"/>
-            </a:defPPr>
-            <a:lvl1pPr defTabSz="4703763" eaLnBrk="0" hangingPunct="0">
-              <a:defRPr sz="9300">
-                <a:solidFill>
-                  <a:schemeClr val="tx1"/>
-                </a:solidFill>
-                <a:latin typeface="Arial"/>
-              </a:defRPr>
-            </a:lvl1pPr>
-            <a:lvl2pPr marL="742950" indent="-285750" defTabSz="4703763" eaLnBrk="0" hangingPunct="0">
-              <a:defRPr sz="9300">
-                <a:solidFill>
-                  <a:schemeClr val="tx1"/>
-                </a:solidFill>
-                <a:latin typeface="Arial"/>
-              </a:defRPr>
-            </a:lvl2pPr>
-            <a:lvl3pPr marL="1143000" indent="-228600" defTabSz="4703763" eaLnBrk="0" hangingPunct="0">
-              <a:defRPr sz="9300">
-                <a:solidFill>
-                  <a:schemeClr val="tx1"/>
-                </a:solidFill>
-                <a:latin typeface="Arial"/>
-              </a:defRPr>
-            </a:lvl3pPr>
-            <a:lvl4pPr marL="1600200" indent="-228600" defTabSz="4703763" eaLnBrk="0" hangingPunct="0">
-              <a:defRPr sz="9300">
-                <a:solidFill>
-                  <a:schemeClr val="tx1"/>
-                </a:solidFill>
-                <a:latin typeface="Arial"/>
-              </a:defRPr>
-            </a:lvl4pPr>
-            <a:lvl5pPr marL="2057400" indent="-228600" defTabSz="4703763" eaLnBrk="0" hangingPunct="0">
-              <a:defRPr sz="9300">
-                <a:solidFill>
-                  <a:schemeClr val="tx1"/>
-                </a:solidFill>
-                <a:latin typeface="Arial"/>
-              </a:defRPr>
-            </a:lvl5pPr>
-            <a:lvl6pPr marL="2514600" indent="-228600" defTabSz="4703763" eaLnBrk="0" fontAlgn="base" hangingPunct="0">
-              <a:spcBef>
-                <a:spcPct val="0"/>
-              </a:spcBef>
-              <a:spcAft>
-                <a:spcPct val="0"/>
-              </a:spcAft>
-              <a:defRPr sz="9300">
-                <a:solidFill>
-                  <a:schemeClr val="tx1"/>
-                </a:solidFill>
-                <a:latin typeface="Arial"/>
-              </a:defRPr>
-            </a:lvl6pPr>
-            <a:lvl7pPr marL="2971800" indent="-228600" defTabSz="4703763" eaLnBrk="0" fontAlgn="base" hangingPunct="0">
-              <a:spcBef>
-                <a:spcPct val="0"/>
-              </a:spcBef>
-              <a:spcAft>
-                <a:spcPct val="0"/>
-              </a:spcAft>
-              <a:defRPr sz="9300">
-                <a:solidFill>
-                  <a:schemeClr val="tx1"/>
-                </a:solidFill>
-                <a:latin typeface="Arial"/>
-              </a:defRPr>
-            </a:lvl7pPr>
-            <a:lvl8pPr marL="3429000" indent="-228600" defTabSz="4703763" eaLnBrk="0" fontAlgn="base" hangingPunct="0">
-              <a:spcBef>
-                <a:spcPct val="0"/>
-              </a:spcBef>
-              <a:spcAft>
-                <a:spcPct val="0"/>
-              </a:spcAft>
-              <a:defRPr sz="9300">
-                <a:solidFill>
-                  <a:schemeClr val="tx1"/>
-                </a:solidFill>
-                <a:latin typeface="Arial"/>
-              </a:defRPr>
-            </a:lvl8pPr>
-            <a:lvl9pPr marL="3886200" indent="-228600" defTabSz="4703763" eaLnBrk="0" fontAlgn="base" hangingPunct="0">
-              <a:spcBef>
-                <a:spcPct val="0"/>
-              </a:spcBef>
-              <a:spcAft>
-                <a:spcPct val="0"/>
-              </a:spcAft>
-              <a:defRPr sz="9300">
-                <a:solidFill>
-                  <a:schemeClr val="tx1"/>
-                </a:solidFill>
-                <a:latin typeface="Arial"/>
-              </a:defRPr>
-            </a:lvl9pPr>
-          </a:lstStyle>
-          <a:p>
-            <a:pPr eaLnBrk="1" hangingPunct="1"/>
-            <a:r>
-              <a:rPr lang="en-US" sz="3400" dirty="0"/>
-              <a:t>Insert your text here. Remember, the template is only to get you started, and can be changed to suit your unique needs</a:t>
-            </a:r>
-          </a:p>
-        </p:txBody>
-      </p:sp>
-      <p:sp>
-        <p:nvSpPr>
           <p:cNvPr id="25" name="Rectangle 23"/>
           <p:cNvSpPr>
             <a:spLocks noChangeArrowheads="1"/>
@@ -5108,7 +4359,7 @@
         <p:spPr bwMode="auto">
           <a:xfrm>
             <a:off x="33278617" y="29675138"/>
-            <a:ext cx="9982200" cy="1644650"/>
+            <a:ext cx="9982200" cy="615553"/>
           </a:xfrm>
           <a:prstGeom prst="rect">
             <a:avLst/>
@@ -5254,8 +4505,8 @@
           <a:p>
             <a:pPr eaLnBrk="1" hangingPunct="1"/>
             <a:r>
-              <a:rPr lang="en-US" sz="3400"/>
-              <a:t>Insert your own information here. Remember, you can change the template colors to suit your own taste</a:t>
+              <a:rPr lang="en-US" sz="3400" dirty="0"/>
+              <a:t>Fuck 12</a:t>
             </a:r>
           </a:p>
         </p:txBody>
@@ -5270,8 +4521,8 @@
         </p:nvSpPr>
         <p:spPr bwMode="auto">
           <a:xfrm>
-            <a:off x="22098000" y="13585825"/>
-            <a:ext cx="10358438" cy="782638"/>
+            <a:off x="11256963" y="13584238"/>
+            <a:ext cx="21199475" cy="784225"/>
           </a:xfrm>
           <a:prstGeom prst="rect">
             <a:avLst/>
@@ -5303,170 +4554,7 @@
                 <a:latin typeface="Arial" panose="020B0604020202020204" pitchFamily="34" charset="0"/>
                 <a:cs typeface="Arial" panose="020B0604020202020204" pitchFamily="34" charset="0"/>
               </a:rPr>
-              <a:t>Methods &amp; Materials</a:t>
-            </a:r>
-          </a:p>
-        </p:txBody>
-      </p:sp>
-      <p:sp>
-        <p:nvSpPr>
-          <p:cNvPr id="28" name="Text Box 26"/>
-          <p:cNvSpPr txBox="1">
-            <a:spLocks noChangeArrowheads="1"/>
-          </p:cNvSpPr>
-          <p:nvPr/>
-        </p:nvSpPr>
-        <p:spPr bwMode="auto">
-          <a:xfrm>
-            <a:off x="22098000" y="14760575"/>
-            <a:ext cx="10363200" cy="1644650"/>
-          </a:xfrm>
-          <a:prstGeom prst="rect">
-            <a:avLst/>
-          </a:prstGeom>
-          <a:noFill/>
-          <a:ln>
-            <a:noFill/>
-          </a:ln>
-          <a:extLst>
-            <a:ext uri="{909E8E84-426E-40DD-AFC4-6F175D3DCCD1}">
-              <a14:hiddenFill xmlns:a14="http://schemas.microsoft.com/office/drawing/2010/main">
-                <a:solidFill>
-                  <a:schemeClr val="accent1"/>
-                </a:solidFill>
-              </a14:hiddenFill>
-            </a:ext>
-            <a:ext uri="{91240B29-F687-4F45-9708-019B960494DF}">
-              <a14:hiddenLine xmlns:a14="http://schemas.microsoft.com/office/drawing/2010/main" w="9525">
-                <a:solidFill>
-                  <a:schemeClr val="tx1"/>
-                </a:solidFill>
-                <a:miter lim="800000"/>
-                <a:headEnd/>
-                <a:tailEnd/>
-              </a14:hiddenLine>
-            </a:ext>
-            <a:ext uri="{AF507438-7753-43E0-B8FC-AC1667EBCBE1}">
-              <a14:hiddenEffects xmlns:a14="http://schemas.microsoft.com/office/drawing/2010/main">
-                <a:effectLst>
-                  <a:outerShdw dist="35921" dir="2700000" algn="ctr" rotWithShape="0">
-                    <a:schemeClr val="bg2"/>
-                  </a:outerShdw>
-                </a:effectLst>
-              </a14:hiddenEffects>
-            </a:ext>
-          </a:extLst>
-        </p:spPr>
-        <p:txBody>
-          <a:bodyPr>
-            <a:spAutoFit/>
-          </a:bodyPr>
-          <a:lstStyle>
-            <a:defPPr>
-              <a:defRPr kern="1200" smtId="4294967295"/>
-            </a:defPPr>
-            <a:lvl1pPr defTabSz="4703763" eaLnBrk="0" hangingPunct="0">
-              <a:defRPr sz="9300">
-                <a:solidFill>
-                  <a:schemeClr val="tx1"/>
-                </a:solidFill>
-                <a:latin typeface="Arial"/>
-              </a:defRPr>
-            </a:lvl1pPr>
-            <a:lvl2pPr marL="742950" indent="-285750" defTabSz="4703763" eaLnBrk="0" hangingPunct="0">
-              <a:defRPr sz="9300">
-                <a:solidFill>
-                  <a:schemeClr val="tx1"/>
-                </a:solidFill>
-                <a:latin typeface="Arial"/>
-              </a:defRPr>
-            </a:lvl2pPr>
-            <a:lvl3pPr marL="1143000" indent="-228600" defTabSz="4703763" eaLnBrk="0" hangingPunct="0">
-              <a:defRPr sz="9300">
-                <a:solidFill>
-                  <a:schemeClr val="tx1"/>
-                </a:solidFill>
-                <a:latin typeface="Arial"/>
-              </a:defRPr>
-            </a:lvl3pPr>
-            <a:lvl4pPr marL="1600200" indent="-228600" defTabSz="4703763" eaLnBrk="0" hangingPunct="0">
-              <a:defRPr sz="9300">
-                <a:solidFill>
-                  <a:schemeClr val="tx1"/>
-                </a:solidFill>
-                <a:latin typeface="Arial"/>
-              </a:defRPr>
-            </a:lvl4pPr>
-            <a:lvl5pPr marL="2057400" indent="-228600" defTabSz="4703763" eaLnBrk="0" hangingPunct="0">
-              <a:defRPr sz="9300">
-                <a:solidFill>
-                  <a:schemeClr val="tx1"/>
-                </a:solidFill>
-                <a:latin typeface="Arial"/>
-              </a:defRPr>
-            </a:lvl5pPr>
-            <a:lvl6pPr marL="2514600" indent="-228600" defTabSz="4703763" eaLnBrk="0" fontAlgn="base" hangingPunct="0">
-              <a:spcBef>
-                <a:spcPct val="0"/>
-              </a:spcBef>
-              <a:spcAft>
-                <a:spcPct val="0"/>
-              </a:spcAft>
-              <a:defRPr sz="9300">
-                <a:solidFill>
-                  <a:schemeClr val="tx1"/>
-                </a:solidFill>
-                <a:latin typeface="Arial"/>
-              </a:defRPr>
-            </a:lvl6pPr>
-            <a:lvl7pPr marL="2971800" indent="-228600" defTabSz="4703763" eaLnBrk="0" fontAlgn="base" hangingPunct="0">
-              <a:spcBef>
-                <a:spcPct val="0"/>
-              </a:spcBef>
-              <a:spcAft>
-                <a:spcPct val="0"/>
-              </a:spcAft>
-              <a:defRPr sz="9300">
-                <a:solidFill>
-                  <a:schemeClr val="tx1"/>
-                </a:solidFill>
-                <a:latin typeface="Arial"/>
-              </a:defRPr>
-            </a:lvl7pPr>
-            <a:lvl8pPr marL="3429000" indent="-228600" defTabSz="4703763" eaLnBrk="0" fontAlgn="base" hangingPunct="0">
-              <a:spcBef>
-                <a:spcPct val="0"/>
-              </a:spcBef>
-              <a:spcAft>
-                <a:spcPct val="0"/>
-              </a:spcAft>
-              <a:defRPr sz="9300">
-                <a:solidFill>
-                  <a:schemeClr val="tx1"/>
-                </a:solidFill>
-                <a:latin typeface="Arial"/>
-              </a:defRPr>
-            </a:lvl8pPr>
-            <a:lvl9pPr marL="3886200" indent="-228600" defTabSz="4703763" eaLnBrk="0" fontAlgn="base" hangingPunct="0">
-              <a:spcBef>
-                <a:spcPct val="0"/>
-              </a:spcBef>
-              <a:spcAft>
-                <a:spcPct val="0"/>
-              </a:spcAft>
-              <a:defRPr sz="9300">
-                <a:solidFill>
-                  <a:schemeClr val="tx1"/>
-                </a:solidFill>
-                <a:latin typeface="Arial"/>
-              </a:defRPr>
-            </a:lvl9pPr>
-          </a:lstStyle>
-          <a:p>
-            <a:pPr eaLnBrk="1" hangingPunct="1"/>
-            <a:r>
-              <a:rPr lang="en-US" sz="3400"/>
-              <a:t>Insert your text here. Remember, you can change your font size to fit your data. In general, the larger your font, the easier it is for others to read.</a:t>
+              <a:t>Results</a:t>
             </a:r>
           </a:p>
         </p:txBody>
@@ -5516,192 +4604,192 @@
       </p:sp>
       <p:sp>
         <p:nvSpPr>
-          <p:cNvPr id="36" name="TextBox 35"/>
-          <p:cNvSpPr txBox="1"/>
+          <p:cNvPr id="30" name="Text Box 9">
+            <a:extLst>
+              <a:ext uri="{FF2B5EF4-FFF2-40B4-BE49-F238E27FC236}">
+                <a16:creationId xmlns:a16="http://schemas.microsoft.com/office/drawing/2014/main" id="{952BF38B-4038-493D-82B9-ADD652505EAC}"/>
+              </a:ext>
+            </a:extLst>
+          </p:cNvPr>
+          <p:cNvSpPr txBox="1">
+            <a:spLocks noChangeArrowheads="1"/>
+          </p:cNvSpPr>
           <p:nvPr/>
         </p:nvSpPr>
-        <p:spPr>
+        <p:spPr bwMode="auto">
           <a:xfrm>
-            <a:off x="11201400" y="16831662"/>
-            <a:ext cx="21255038" cy="14501406"/>
+            <a:off x="11316999" y="5291138"/>
+            <a:ext cx="9753600" cy="5417509"/>
           </a:xfrm>
           <a:prstGeom prst="rect">
             <a:avLst/>
           </a:prstGeom>
-          <a:solidFill>
-            <a:schemeClr val="bg1">
-              <a:lumMod val="85000"/>
-            </a:schemeClr>
-          </a:solidFill>
+          <a:noFill/>
+          <a:ln>
+            <a:noFill/>
+          </a:ln>
+          <a:extLst>
+            <a:ext uri="{909E8E84-426E-40DD-AFC4-6F175D3DCCD1}">
+              <a14:hiddenFill xmlns:a14="http://schemas.microsoft.com/office/drawing/2010/main">
+                <a:solidFill>
+                  <a:schemeClr val="accent1"/>
+                </a:solidFill>
+              </a14:hiddenFill>
+            </a:ext>
+            <a:ext uri="{91240B29-F687-4F45-9708-019B960494DF}">
+              <a14:hiddenLine xmlns:a14="http://schemas.microsoft.com/office/drawing/2010/main" w="9525">
+                <a:solidFill>
+                  <a:schemeClr val="tx1"/>
+                </a:solidFill>
+                <a:miter lim="800000"/>
+                <a:headEnd/>
+                <a:tailEnd/>
+              </a14:hiddenLine>
+            </a:ext>
+            <a:ext uri="{AF507438-7753-43E0-B8FC-AC1667EBCBE1}">
+              <a14:hiddenEffects xmlns:a14="http://schemas.microsoft.com/office/drawing/2010/main">
+                <a:effectLst>
+                  <a:outerShdw dist="35921" dir="2700000" algn="ctr" rotWithShape="0">
+                    <a:schemeClr val="bg2"/>
+                  </a:outerShdw>
+                </a:effectLst>
+              </a14:hiddenEffects>
+            </a:ext>
+          </a:extLst>
         </p:spPr>
         <p:txBody>
-          <a:bodyPr wrap="square" tIns="91440" rtlCol="0" anchor="ctr" anchorCtr="0">
+          <a:bodyPr wrap="square" lIns="137160" tIns="68580" rIns="137160" bIns="68580">
             <a:spAutoFit/>
           </a:bodyPr>
-          <a:lstStyle/>
-          <a:p>
-            <a:pPr marL="1436688" indent="-587375">
+          <a:lstStyle>
+            <a:defPPr>
+              <a:defRPr kern="1200" smtId="4294967295"/>
+            </a:defPPr>
+            <a:lvl1pPr defTabSz="4703763" eaLnBrk="0" hangingPunct="0">
+              <a:defRPr sz="9300">
+                <a:solidFill>
+                  <a:schemeClr val="tx1"/>
+                </a:solidFill>
+                <a:latin typeface="Arial"/>
+              </a:defRPr>
+            </a:lvl1pPr>
+            <a:lvl2pPr marL="742950" indent="-285750" defTabSz="4703763" eaLnBrk="0" hangingPunct="0">
+              <a:defRPr sz="9300">
+                <a:solidFill>
+                  <a:schemeClr val="tx1"/>
+                </a:solidFill>
+                <a:latin typeface="Arial"/>
+              </a:defRPr>
+            </a:lvl2pPr>
+            <a:lvl3pPr marL="1143000" indent="-228600" defTabSz="4703763" eaLnBrk="0" hangingPunct="0">
+              <a:defRPr sz="9300">
+                <a:solidFill>
+                  <a:schemeClr val="tx1"/>
+                </a:solidFill>
+                <a:latin typeface="Arial"/>
+              </a:defRPr>
+            </a:lvl3pPr>
+            <a:lvl4pPr marL="1600200" indent="-228600" defTabSz="4703763" eaLnBrk="0" hangingPunct="0">
+              <a:defRPr sz="9300">
+                <a:solidFill>
+                  <a:schemeClr val="tx1"/>
+                </a:solidFill>
+                <a:latin typeface="Arial"/>
+              </a:defRPr>
+            </a:lvl4pPr>
+            <a:lvl5pPr marL="2057400" indent="-228600" defTabSz="4703763" eaLnBrk="0" hangingPunct="0">
+              <a:defRPr sz="9300">
+                <a:solidFill>
+                  <a:schemeClr val="tx1"/>
+                </a:solidFill>
+                <a:latin typeface="Arial"/>
+              </a:defRPr>
+            </a:lvl5pPr>
+            <a:lvl6pPr marL="2514600" indent="-228600" defTabSz="4703763" eaLnBrk="0" fontAlgn="base" hangingPunct="0">
+              <a:spcBef>
+                <a:spcPct val="0"/>
+              </a:spcBef>
+              <a:spcAft>
+                <a:spcPct val="0"/>
+              </a:spcAft>
+              <a:defRPr sz="9300">
+                <a:solidFill>
+                  <a:schemeClr val="tx1"/>
+                </a:solidFill>
+                <a:latin typeface="Arial"/>
+              </a:defRPr>
+            </a:lvl6pPr>
+            <a:lvl7pPr marL="2971800" indent="-228600" defTabSz="4703763" eaLnBrk="0" fontAlgn="base" hangingPunct="0">
+              <a:spcBef>
+                <a:spcPct val="0"/>
+              </a:spcBef>
+              <a:spcAft>
+                <a:spcPct val="0"/>
+              </a:spcAft>
+              <a:defRPr sz="9300">
+                <a:solidFill>
+                  <a:schemeClr val="tx1"/>
+                </a:solidFill>
+                <a:latin typeface="Arial"/>
+              </a:defRPr>
+            </a:lvl7pPr>
+            <a:lvl8pPr marL="3429000" indent="-228600" defTabSz="4703763" eaLnBrk="0" fontAlgn="base" hangingPunct="0">
+              <a:spcBef>
+                <a:spcPct val="0"/>
+              </a:spcBef>
+              <a:spcAft>
+                <a:spcPct val="0"/>
+              </a:spcAft>
+              <a:defRPr sz="9300">
+                <a:solidFill>
+                  <a:schemeClr val="tx1"/>
+                </a:solidFill>
+                <a:latin typeface="Arial"/>
+              </a:defRPr>
+            </a:lvl8pPr>
+            <a:lvl9pPr marL="3886200" indent="-228600" defTabSz="4703763" eaLnBrk="0" fontAlgn="base" hangingPunct="0">
+              <a:spcBef>
+                <a:spcPct val="0"/>
+              </a:spcBef>
+              <a:spcAft>
+                <a:spcPct val="0"/>
+              </a:spcAft>
+              <a:defRPr sz="9300">
+                <a:solidFill>
+                  <a:schemeClr val="tx1"/>
+                </a:solidFill>
+                <a:latin typeface="Arial"/>
+              </a:defRPr>
+            </a:lvl9pPr>
+          </a:lstStyle>
+          <a:p>
+            <a:pPr>
               <a:lnSpc>
-                <a:spcPts val="8000"/>
+                <a:spcPct val="120000"/>
               </a:lnSpc>
-              <a:tabLst>
-                <a:tab pos="1044575" algn="l"/>
-              </a:tabLst>
+              <a:spcAft>
+                <a:spcPts val="800"/>
+              </a:spcAft>
             </a:pPr>
             <a:r>
-              <a:rPr lang="en-US" sz="7200" b="1" dirty="0"/>
-              <a:t>Required Sections </a:t>
-            </a:r>
-            <a:r>
-              <a:rPr lang="en-US" sz="7200" dirty="0"/>
-              <a:t>for the Technology Symposium:</a:t>
-            </a:r>
-          </a:p>
-          <a:p>
-            <a:pPr marL="1436688" indent="-587375">
-              <a:lnSpc>
-                <a:spcPts val="8000"/>
-              </a:lnSpc>
-              <a:buFont typeface="Arial" panose="020B0604020202020204" pitchFamily="34" charset="0"/>
-              <a:buChar char="•"/>
-              <a:tabLst>
-                <a:tab pos="1044575" algn="l"/>
-              </a:tabLst>
-            </a:pPr>
-            <a:r>
-              <a:rPr lang="en-US" sz="7200" dirty="0"/>
-              <a:t>Summary</a:t>
-            </a:r>
-          </a:p>
-          <a:p>
-            <a:pPr marL="1436688" indent="-587375">
-              <a:lnSpc>
-                <a:spcPts val="8000"/>
-              </a:lnSpc>
-              <a:buFont typeface="Arial" panose="020B0604020202020204" pitchFamily="34" charset="0"/>
-              <a:buChar char="•"/>
-              <a:tabLst>
-                <a:tab pos="1044575" algn="l"/>
-              </a:tabLst>
-            </a:pPr>
-            <a:r>
-              <a:rPr lang="en-US" sz="7200" dirty="0"/>
-              <a:t>Motivation</a:t>
-            </a:r>
-          </a:p>
-          <a:p>
-            <a:pPr marL="1436688" indent="-587375">
-              <a:lnSpc>
-                <a:spcPts val="8000"/>
-              </a:lnSpc>
-              <a:buFont typeface="Arial" panose="020B0604020202020204" pitchFamily="34" charset="0"/>
-              <a:buChar char="•"/>
-              <a:tabLst>
-                <a:tab pos="1044575" algn="l"/>
-              </a:tabLst>
-            </a:pPr>
-            <a:r>
-              <a:rPr lang="en-US" sz="7200" dirty="0"/>
-              <a:t>Project Description</a:t>
-            </a:r>
-          </a:p>
-          <a:p>
-            <a:pPr marL="1436688" indent="-587375">
-              <a:lnSpc>
-                <a:spcPts val="8000"/>
-              </a:lnSpc>
-              <a:buFont typeface="Arial" panose="020B0604020202020204" pitchFamily="34" charset="0"/>
-              <a:buChar char="•"/>
-              <a:tabLst>
-                <a:tab pos="1044575" algn="l"/>
-              </a:tabLst>
-            </a:pPr>
-            <a:r>
-              <a:rPr lang="en-US" sz="7200" dirty="0"/>
-              <a:t>Results</a:t>
-            </a:r>
-          </a:p>
-          <a:p>
-            <a:pPr marL="1436688" indent="-587375">
-              <a:lnSpc>
-                <a:spcPts val="8000"/>
-              </a:lnSpc>
-              <a:tabLst>
-                <a:tab pos="1044575" algn="l"/>
-              </a:tabLst>
-            </a:pPr>
-            <a:endParaRPr lang="en-US" sz="7200" dirty="0"/>
-          </a:p>
-          <a:p>
-            <a:pPr marL="1436688" indent="-587375">
-              <a:lnSpc>
-                <a:spcPts val="8000"/>
-              </a:lnSpc>
-              <a:tabLst>
-                <a:tab pos="1044575" algn="l"/>
-              </a:tabLst>
-            </a:pPr>
-            <a:r>
-              <a:rPr lang="en-US" sz="7200" dirty="0"/>
-              <a:t>Optional Sections:</a:t>
-            </a:r>
-          </a:p>
-          <a:p>
-            <a:pPr marL="1436688" indent="-587375">
-              <a:lnSpc>
-                <a:spcPts val="8000"/>
-              </a:lnSpc>
-              <a:buFont typeface="Arial" panose="020B0604020202020204" pitchFamily="34" charset="0"/>
-              <a:buChar char="•"/>
-              <a:tabLst>
-                <a:tab pos="1044575" algn="l"/>
-              </a:tabLst>
-            </a:pPr>
-            <a:r>
-              <a:rPr lang="en-US" sz="7200" dirty="0"/>
-              <a:t>Acknowledgements</a:t>
-            </a:r>
-          </a:p>
-          <a:p>
-            <a:pPr marL="1436688" indent="-587375">
-              <a:lnSpc>
-                <a:spcPts val="8000"/>
-              </a:lnSpc>
-              <a:buFont typeface="Arial" panose="020B0604020202020204" pitchFamily="34" charset="0"/>
-              <a:buChar char="•"/>
-              <a:tabLst>
-                <a:tab pos="1044575" algn="l"/>
-              </a:tabLst>
-            </a:pPr>
-            <a:r>
-              <a:rPr lang="en-US" sz="7200" dirty="0"/>
-              <a:t>References</a:t>
-            </a:r>
-          </a:p>
-          <a:p>
-            <a:pPr marL="841375" indent="7938">
-              <a:lnSpc>
-                <a:spcPts val="8000"/>
-              </a:lnSpc>
-              <a:tabLst>
-                <a:tab pos="1044575" algn="l"/>
-              </a:tabLst>
-            </a:pPr>
-            <a:endParaRPr lang="en-US" sz="7200" dirty="0"/>
-          </a:p>
-          <a:p>
-            <a:pPr marL="841375" indent="7938">
-              <a:lnSpc>
-                <a:spcPts val="8000"/>
-              </a:lnSpc>
-              <a:tabLst>
-                <a:tab pos="1044575" algn="l"/>
-              </a:tabLst>
-            </a:pPr>
-            <a:r>
-              <a:rPr lang="en-US" sz="7200" dirty="0"/>
-              <a:t>The other categories above are just a guide for your use.  You may combine columns to make pictures larger. (Please delete this box before printing your Poster)</a:t>
-            </a:r>
+              <a:rPr lang="en-US" sz="3200" dirty="0">
+                <a:solidFill>
+                  <a:srgbClr val="000000"/>
+                </a:solidFill>
+                <a:latin typeface="System Font Regular"/>
+                <a:ea typeface="ヒラギノ角ゴ Pro W3"/>
+                <a:cs typeface="Times New Roman" panose="02020603050405020304" pitchFamily="18" charset="0"/>
+              </a:rPr>
+              <a:t>A functioning mobile app in which its purpose is to assist the user in various ways for the fiddle or violin. It allows the user to create a profile and keep up with progression on learning their instrument. It additionally helps the player tune their instrument by recording the pitch of the instrument and notifying the user to tune the instrument to a higher or lower pitch. This app also helps the user learn basic scales and keeps up with tempo using a metronome. </a:t>
+            </a:r>
+            <a:endParaRPr lang="en-US" sz="3200" dirty="0">
+              <a:solidFill>
+                <a:srgbClr val="474747"/>
+              </a:solidFill>
+              <a:latin typeface="System Font Regular"/>
+              <a:ea typeface="ヒラギノ角ゴ Pro W3"/>
+              <a:cs typeface="Times New Roman" panose="02020603050405020304" pitchFamily="18" charset="0"/>
+            </a:endParaRPr>
           </a:p>
         </p:txBody>
       </p:sp>

--- a/Poster PPT.pptx
+++ b/Poster PPT.pptx
@@ -243,7 +243,7 @@
           <a:p>
             <a:fld id="{8570775B-9DE4-47E5-9C15-3E8B7D83FB98}" type="datetimeFigureOut">
               <a:rPr lang="en-US" smtClean="0"/>
-              <a:t>3/24/2019</a:t>
+              <a:t>3/25/2019</a:t>
             </a:fld>
             <a:endParaRPr lang="en-US"/>
           </a:p>
@@ -413,7 +413,7 @@
           <a:p>
             <a:fld id="{8570775B-9DE4-47E5-9C15-3E8B7D83FB98}" type="datetimeFigureOut">
               <a:rPr lang="en-US" smtClean="0"/>
-              <a:t>3/24/2019</a:t>
+              <a:t>3/25/2019</a:t>
             </a:fld>
             <a:endParaRPr lang="en-US"/>
           </a:p>
@@ -593,7 +593,7 @@
           <a:p>
             <a:fld id="{8570775B-9DE4-47E5-9C15-3E8B7D83FB98}" type="datetimeFigureOut">
               <a:rPr lang="en-US" smtClean="0"/>
-              <a:t>3/24/2019</a:t>
+              <a:t>3/25/2019</a:t>
             </a:fld>
             <a:endParaRPr lang="en-US"/>
           </a:p>
@@ -763,7 +763,7 @@
           <a:p>
             <a:fld id="{8570775B-9DE4-47E5-9C15-3E8B7D83FB98}" type="datetimeFigureOut">
               <a:rPr lang="en-US" smtClean="0"/>
-              <a:t>3/24/2019</a:t>
+              <a:t>3/25/2019</a:t>
             </a:fld>
             <a:endParaRPr lang="en-US"/>
           </a:p>
@@ -1007,7 +1007,7 @@
           <a:p>
             <a:fld id="{8570775B-9DE4-47E5-9C15-3E8B7D83FB98}" type="datetimeFigureOut">
               <a:rPr lang="en-US" smtClean="0"/>
-              <a:t>3/24/2019</a:t>
+              <a:t>3/25/2019</a:t>
             </a:fld>
             <a:endParaRPr lang="en-US"/>
           </a:p>
@@ -1239,7 +1239,7 @@
           <a:p>
             <a:fld id="{8570775B-9DE4-47E5-9C15-3E8B7D83FB98}" type="datetimeFigureOut">
               <a:rPr lang="en-US" smtClean="0"/>
-              <a:t>3/24/2019</a:t>
+              <a:t>3/25/2019</a:t>
             </a:fld>
             <a:endParaRPr lang="en-US"/>
           </a:p>
@@ -1606,7 +1606,7 @@
           <a:p>
             <a:fld id="{8570775B-9DE4-47E5-9C15-3E8B7D83FB98}" type="datetimeFigureOut">
               <a:rPr lang="en-US" smtClean="0"/>
-              <a:t>3/24/2019</a:t>
+              <a:t>3/25/2019</a:t>
             </a:fld>
             <a:endParaRPr lang="en-US"/>
           </a:p>
@@ -1724,7 +1724,7 @@
           <a:p>
             <a:fld id="{8570775B-9DE4-47E5-9C15-3E8B7D83FB98}" type="datetimeFigureOut">
               <a:rPr lang="en-US" smtClean="0"/>
-              <a:t>3/24/2019</a:t>
+              <a:t>3/25/2019</a:t>
             </a:fld>
             <a:endParaRPr lang="en-US"/>
           </a:p>
@@ -1819,7 +1819,7 @@
           <a:p>
             <a:fld id="{8570775B-9DE4-47E5-9C15-3E8B7D83FB98}" type="datetimeFigureOut">
               <a:rPr lang="en-US" smtClean="0"/>
-              <a:t>3/24/2019</a:t>
+              <a:t>3/25/2019</a:t>
             </a:fld>
             <a:endParaRPr lang="en-US"/>
           </a:p>
@@ -2096,7 +2096,7 @@
           <a:p>
             <a:fld id="{8570775B-9DE4-47E5-9C15-3E8B7D83FB98}" type="datetimeFigureOut">
               <a:rPr lang="en-US" smtClean="0"/>
-              <a:t>3/24/2019</a:t>
+              <a:t>3/25/2019</a:t>
             </a:fld>
             <a:endParaRPr lang="en-US"/>
           </a:p>
@@ -2353,7 +2353,7 @@
           <a:p>
             <a:fld id="{8570775B-9DE4-47E5-9C15-3E8B7D83FB98}" type="datetimeFigureOut">
               <a:rPr lang="en-US" smtClean="0"/>
-              <a:t>3/24/2019</a:t>
+              <a:t>3/25/2019</a:t>
             </a:fld>
             <a:endParaRPr lang="en-US"/>
           </a:p>
@@ -2566,7 +2566,7 @@
           <a:p>
             <a:fld id="{8570775B-9DE4-47E5-9C15-3E8B7D83FB98}" type="datetimeFigureOut">
               <a:rPr lang="en-US" smtClean="0"/>
-              <a:t>3/24/2019</a:t>
+              <a:t>3/25/2019</a:t>
             </a:fld>
             <a:endParaRPr lang="en-US"/>
           </a:p>
@@ -4619,7 +4619,7 @@
         <p:spPr bwMode="auto">
           <a:xfrm>
             <a:off x="11316999" y="5291138"/>
-            <a:ext cx="9753600" cy="5417509"/>
+            <a:ext cx="9753600" cy="7175362"/>
           </a:xfrm>
           <a:prstGeom prst="rect">
             <a:avLst/>
@@ -4780,7 +4780,361 @@
                 <a:ea typeface="ヒラギノ角ゴ Pro W3"/>
                 <a:cs typeface="Times New Roman" panose="02020603050405020304" pitchFamily="18" charset="0"/>
               </a:rPr>
-              <a:t>A functioning mobile app in which its purpose is to assist the user in various ways for the fiddle or violin. It allows the user to create a profile and keep up with progression on learning their instrument. It additionally helps the player tune their instrument by recording the pitch of the instrument and notifying the user to tune the instrument to a higher or lower pitch. This app also helps the user learn basic scales and keeps up with tempo using a metronome. </a:t>
+              <a:t>A functioning mobile app in which its purpose is to assist the user in various ways for the fiddle or violin. It allows the user to create a profile and keep up with progression on learning their instrument. It additionally helps the player tune their instrument by recording the pitch of the instrument and notifying the user to tune the instrument to a higher or lower pitch. This app also helps the user learn basic scales and keeps up with tempo using a metronome</a:t>
+            </a:r>
+            <a:r>
+              <a:rPr lang="en-US" sz="3200" dirty="0" smtClean="0">
+                <a:solidFill>
+                  <a:srgbClr val="000000"/>
+                </a:solidFill>
+                <a:latin typeface="System Font Regular"/>
+                <a:ea typeface="ヒラギノ角ゴ Pro W3"/>
+                <a:cs typeface="Times New Roman" panose="02020603050405020304" pitchFamily="18" charset="0"/>
+              </a:rPr>
+              <a:t>. The app has built in support for all major and minor scales, both major </a:t>
+            </a:r>
+            <a:r>
+              <a:rPr lang="en-US" sz="3200" dirty="0">
+                <a:solidFill>
+                  <a:srgbClr val="000000"/>
+                </a:solidFill>
+                <a:latin typeface="System Font Regular"/>
+                <a:ea typeface="ヒラギノ角ゴ Pro W3"/>
+                <a:cs typeface="Times New Roman" panose="02020603050405020304" pitchFamily="18" charset="0"/>
+              </a:rPr>
+              <a:t>and minor, as well as chromatic scales </a:t>
+            </a:r>
+            <a:r>
+              <a:rPr lang="en-US" sz="3200" dirty="0" smtClean="0">
+                <a:solidFill>
+                  <a:srgbClr val="000000"/>
+                </a:solidFill>
+                <a:latin typeface="System Font Regular"/>
+                <a:ea typeface="ヒラギノ角ゴ Pro W3"/>
+                <a:cs typeface="Times New Roman" panose="02020603050405020304" pitchFamily="18" charset="0"/>
+              </a:rPr>
+              <a:t>in first position. It covers two octaves.</a:t>
+            </a:r>
+            <a:endParaRPr lang="en-US" sz="3200" dirty="0">
+              <a:solidFill>
+                <a:srgbClr val="474747"/>
+              </a:solidFill>
+              <a:latin typeface="System Font Regular"/>
+              <a:ea typeface="ヒラギノ角ゴ Pro W3"/>
+              <a:cs typeface="Times New Roman" panose="02020603050405020304" pitchFamily="18" charset="0"/>
+            </a:endParaRPr>
+          </a:p>
+        </p:txBody>
+      </p:sp>
+      <p:pic>
+        <p:nvPicPr>
+          <p:cNvPr id="3" name="Picture 2"/>
+          <p:cNvPicPr>
+            <a:picLocks noChangeAspect="1"/>
+          </p:cNvPicPr>
+          <p:nvPr/>
+        </p:nvPicPr>
+        <p:blipFill>
+          <a:blip r:embed="rId3"/>
+          <a:stretch>
+            <a:fillRect/>
+          </a:stretch>
+        </p:blipFill>
+        <p:spPr>
+          <a:xfrm>
+            <a:off x="11807707" y="15232670"/>
+            <a:ext cx="3100988" cy="5091307"/>
+          </a:xfrm>
+          <a:prstGeom prst="rect">
+            <a:avLst/>
+          </a:prstGeom>
+        </p:spPr>
+      </p:pic>
+      <p:pic>
+        <p:nvPicPr>
+          <p:cNvPr id="4" name="Picture 3"/>
+          <p:cNvPicPr>
+            <a:picLocks noChangeAspect="1"/>
+          </p:cNvPicPr>
+          <p:nvPr/>
+        </p:nvPicPr>
+        <p:blipFill>
+          <a:blip r:embed="rId4"/>
+          <a:stretch>
+            <a:fillRect/>
+          </a:stretch>
+        </p:blipFill>
+        <p:spPr>
+          <a:xfrm>
+            <a:off x="16221582" y="15232670"/>
+            <a:ext cx="3108829" cy="5120425"/>
+          </a:xfrm>
+          <a:prstGeom prst="rect">
+            <a:avLst/>
+          </a:prstGeom>
+        </p:spPr>
+      </p:pic>
+      <p:sp>
+        <p:nvSpPr>
+          <p:cNvPr id="5" name="TextBox 4"/>
+          <p:cNvSpPr txBox="1"/>
+          <p:nvPr/>
+        </p:nvSpPr>
+        <p:spPr>
+          <a:xfrm>
+            <a:off x="11807707" y="20261231"/>
+            <a:ext cx="3100988" cy="646331"/>
+          </a:xfrm>
+          <a:prstGeom prst="rect">
+            <a:avLst/>
+          </a:prstGeom>
+          <a:noFill/>
+        </p:spPr>
+        <p:txBody>
+          <a:bodyPr wrap="square" rtlCol="0">
+            <a:spAutoFit/>
+          </a:bodyPr>
+          <a:lstStyle/>
+          <a:p>
+            <a:r>
+              <a:rPr lang="en-US" sz="3600" dirty="0" smtClean="0"/>
+              <a:t>Tuning Menu</a:t>
+            </a:r>
+            <a:endParaRPr lang="en-US" sz="3600" dirty="0"/>
+          </a:p>
+        </p:txBody>
+      </p:sp>
+      <p:sp>
+        <p:nvSpPr>
+          <p:cNvPr id="28" name="TextBox 27"/>
+          <p:cNvSpPr txBox="1"/>
+          <p:nvPr/>
+        </p:nvSpPr>
+        <p:spPr>
+          <a:xfrm>
+            <a:off x="16221582" y="20261230"/>
+            <a:ext cx="3100988" cy="646331"/>
+          </a:xfrm>
+          <a:prstGeom prst="rect">
+            <a:avLst/>
+          </a:prstGeom>
+          <a:noFill/>
+        </p:spPr>
+        <p:txBody>
+          <a:bodyPr wrap="square" rtlCol="0">
+            <a:spAutoFit/>
+          </a:bodyPr>
+          <a:lstStyle/>
+          <a:p>
+            <a:r>
+              <a:rPr lang="en-US" sz="3600" dirty="0" smtClean="0"/>
+              <a:t>Scale Menu</a:t>
+            </a:r>
+            <a:endParaRPr lang="en-US" sz="3600" dirty="0"/>
+          </a:p>
+        </p:txBody>
+      </p:sp>
+      <p:sp>
+        <p:nvSpPr>
+          <p:cNvPr id="31" name="Text Box 9">
+            <a:extLst>
+              <a:ext uri="{FF2B5EF4-FFF2-40B4-BE49-F238E27FC236}">
+                <a16:creationId xmlns:a16="http://schemas.microsoft.com/office/drawing/2014/main" id="{952BF38B-4038-493D-82B9-ADD652505EAC}"/>
+              </a:ext>
+            </a:extLst>
+          </p:cNvPr>
+          <p:cNvSpPr txBox="1">
+            <a:spLocks noChangeArrowheads="1"/>
+          </p:cNvSpPr>
+          <p:nvPr/>
+        </p:nvSpPr>
+        <p:spPr bwMode="auto">
+          <a:xfrm>
+            <a:off x="22400419" y="5291137"/>
+            <a:ext cx="9753600" cy="1911292"/>
+          </a:xfrm>
+          <a:prstGeom prst="rect">
+            <a:avLst/>
+          </a:prstGeom>
+          <a:noFill/>
+          <a:ln>
+            <a:noFill/>
+          </a:ln>
+          <a:extLst>
+            <a:ext uri="{909E8E84-426E-40DD-AFC4-6F175D3DCCD1}">
+              <a14:hiddenFill xmlns:a14="http://schemas.microsoft.com/office/drawing/2010/main">
+                <a:solidFill>
+                  <a:schemeClr val="accent1"/>
+                </a:solidFill>
+              </a14:hiddenFill>
+            </a:ext>
+            <a:ext uri="{91240B29-F687-4F45-9708-019B960494DF}">
+              <a14:hiddenLine xmlns:a14="http://schemas.microsoft.com/office/drawing/2010/main" w="9525">
+                <a:solidFill>
+                  <a:schemeClr val="tx1"/>
+                </a:solidFill>
+                <a:miter lim="800000"/>
+                <a:headEnd/>
+                <a:tailEnd/>
+              </a14:hiddenLine>
+            </a:ext>
+            <a:ext uri="{AF507438-7753-43E0-B8FC-AC1667EBCBE1}">
+              <a14:hiddenEffects xmlns:a14="http://schemas.microsoft.com/office/drawing/2010/main">
+                <a:effectLst>
+                  <a:outerShdw dist="35921" dir="2700000" algn="ctr" rotWithShape="0">
+                    <a:schemeClr val="bg2"/>
+                  </a:outerShdw>
+                </a:effectLst>
+              </a14:hiddenEffects>
+            </a:ext>
+          </a:extLst>
+        </p:spPr>
+        <p:txBody>
+          <a:bodyPr wrap="square" lIns="137160" tIns="68580" rIns="137160" bIns="68580">
+            <a:spAutoFit/>
+          </a:bodyPr>
+          <a:lstStyle>
+            <a:defPPr>
+              <a:defRPr kern="1200" smtId="4294967295"/>
+            </a:defPPr>
+            <a:lvl1pPr defTabSz="4703763" eaLnBrk="0" hangingPunct="0">
+              <a:defRPr sz="9300">
+                <a:solidFill>
+                  <a:schemeClr val="tx1"/>
+                </a:solidFill>
+                <a:latin typeface="Arial"/>
+              </a:defRPr>
+            </a:lvl1pPr>
+            <a:lvl2pPr marL="742950" indent="-285750" defTabSz="4703763" eaLnBrk="0" hangingPunct="0">
+              <a:defRPr sz="9300">
+                <a:solidFill>
+                  <a:schemeClr val="tx1"/>
+                </a:solidFill>
+                <a:latin typeface="Arial"/>
+              </a:defRPr>
+            </a:lvl2pPr>
+            <a:lvl3pPr marL="1143000" indent="-228600" defTabSz="4703763" eaLnBrk="0" hangingPunct="0">
+              <a:defRPr sz="9300">
+                <a:solidFill>
+                  <a:schemeClr val="tx1"/>
+                </a:solidFill>
+                <a:latin typeface="Arial"/>
+              </a:defRPr>
+            </a:lvl3pPr>
+            <a:lvl4pPr marL="1600200" indent="-228600" defTabSz="4703763" eaLnBrk="0" hangingPunct="0">
+              <a:defRPr sz="9300">
+                <a:solidFill>
+                  <a:schemeClr val="tx1"/>
+                </a:solidFill>
+                <a:latin typeface="Arial"/>
+              </a:defRPr>
+            </a:lvl4pPr>
+            <a:lvl5pPr marL="2057400" indent="-228600" defTabSz="4703763" eaLnBrk="0" hangingPunct="0">
+              <a:defRPr sz="9300">
+                <a:solidFill>
+                  <a:schemeClr val="tx1"/>
+                </a:solidFill>
+                <a:latin typeface="Arial"/>
+              </a:defRPr>
+            </a:lvl5pPr>
+            <a:lvl6pPr marL="2514600" indent="-228600" defTabSz="4703763" eaLnBrk="0" fontAlgn="base" hangingPunct="0">
+              <a:spcBef>
+                <a:spcPct val="0"/>
+              </a:spcBef>
+              <a:spcAft>
+                <a:spcPct val="0"/>
+              </a:spcAft>
+              <a:defRPr sz="9300">
+                <a:solidFill>
+                  <a:schemeClr val="tx1"/>
+                </a:solidFill>
+                <a:latin typeface="Arial"/>
+              </a:defRPr>
+            </a:lvl6pPr>
+            <a:lvl7pPr marL="2971800" indent="-228600" defTabSz="4703763" eaLnBrk="0" fontAlgn="base" hangingPunct="0">
+              <a:spcBef>
+                <a:spcPct val="0"/>
+              </a:spcBef>
+              <a:spcAft>
+                <a:spcPct val="0"/>
+              </a:spcAft>
+              <a:defRPr sz="9300">
+                <a:solidFill>
+                  <a:schemeClr val="tx1"/>
+                </a:solidFill>
+                <a:latin typeface="Arial"/>
+              </a:defRPr>
+            </a:lvl7pPr>
+            <a:lvl8pPr marL="3429000" indent="-228600" defTabSz="4703763" eaLnBrk="0" fontAlgn="base" hangingPunct="0">
+              <a:spcBef>
+                <a:spcPct val="0"/>
+              </a:spcBef>
+              <a:spcAft>
+                <a:spcPct val="0"/>
+              </a:spcAft>
+              <a:defRPr sz="9300">
+                <a:solidFill>
+                  <a:schemeClr val="tx1"/>
+                </a:solidFill>
+                <a:latin typeface="Arial"/>
+              </a:defRPr>
+            </a:lvl8pPr>
+            <a:lvl9pPr marL="3886200" indent="-228600" defTabSz="4703763" eaLnBrk="0" fontAlgn="base" hangingPunct="0">
+              <a:spcBef>
+                <a:spcPct val="0"/>
+              </a:spcBef>
+              <a:spcAft>
+                <a:spcPct val="0"/>
+              </a:spcAft>
+              <a:defRPr sz="9300">
+                <a:solidFill>
+                  <a:schemeClr val="tx1"/>
+                </a:solidFill>
+                <a:latin typeface="Arial"/>
+              </a:defRPr>
+            </a:lvl9pPr>
+          </a:lstStyle>
+          <a:p>
+            <a:pPr>
+              <a:lnSpc>
+                <a:spcPct val="120000"/>
+              </a:lnSpc>
+              <a:spcAft>
+                <a:spcPts val="800"/>
+              </a:spcAft>
+            </a:pPr>
+            <a:r>
+              <a:rPr lang="en-US" sz="3200" dirty="0" smtClean="0">
+                <a:solidFill>
+                  <a:srgbClr val="474747"/>
+                </a:solidFill>
+                <a:latin typeface="System Font Regular"/>
+                <a:ea typeface="ヒラギノ角ゴ Pro W3"/>
+                <a:cs typeface="Times New Roman" panose="02020603050405020304" pitchFamily="18" charset="0"/>
+              </a:rPr>
+              <a:t>Application written entirely in C#. It was built using Visual Studio Community 2017 using </a:t>
+            </a:r>
+            <a:r>
+              <a:rPr lang="en-US" sz="3200" dirty="0" err="1" smtClean="0">
+                <a:solidFill>
+                  <a:srgbClr val="474747"/>
+                </a:solidFill>
+                <a:latin typeface="System Font Regular"/>
+                <a:ea typeface="ヒラギノ角ゴ Pro W3"/>
+                <a:cs typeface="Times New Roman" panose="02020603050405020304" pitchFamily="18" charset="0"/>
+              </a:rPr>
+              <a:t>Xamarin</a:t>
+            </a:r>
+            <a:r>
+              <a:rPr lang="en-US" sz="3200" dirty="0" smtClean="0">
+                <a:solidFill>
+                  <a:srgbClr val="474747"/>
+                </a:solidFill>
+                <a:latin typeface="System Font Regular"/>
+                <a:ea typeface="ヒラギノ角ゴ Pro W3"/>
+                <a:cs typeface="Times New Roman" panose="02020603050405020304" pitchFamily="18" charset="0"/>
+              </a:rPr>
+              <a:t> for Android development. </a:t>
             </a:r>
             <a:endParaRPr lang="en-US" sz="3200" dirty="0">
               <a:solidFill>

--- a/Poster PPT.pptx
+++ b/Poster PPT.pptx
@@ -3398,54 +3398,6 @@
       </p:sp>
       <p:sp>
         <p:nvSpPr>
-          <p:cNvPr id="10" name="Rectangle 8"/>
-          <p:cNvSpPr>
-            <a:spLocks noChangeArrowheads="1"/>
-          </p:cNvSpPr>
-          <p:nvPr/>
-        </p:nvSpPr>
-        <p:spPr bwMode="auto">
-          <a:xfrm>
-            <a:off x="33283379" y="16197262"/>
-            <a:ext cx="10358437" cy="784225"/>
-          </a:xfrm>
-          <a:prstGeom prst="rect">
-            <a:avLst/>
-          </a:prstGeom>
-          <a:solidFill>
-            <a:schemeClr val="accent5">
-              <a:lumMod val="50000"/>
-            </a:schemeClr>
-          </a:solidFill>
-          <a:ln>
-            <a:noFill/>
-          </a:ln>
-          <a:effectLst/>
-        </p:spPr>
-        <p:txBody>
-          <a:bodyPr wrap="none" lIns="137160" tIns="68580" rIns="137160" bIns="68580" anchor="ctr"/>
-          <a:lstStyle>
-            <a:defPPr>
-              <a:defRPr kern="1200" smtId="4294967295"/>
-            </a:defPPr>
-          </a:lstStyle>
-          <a:p>
-            <a:pPr defTabSz="4703763"/>
-            <a:r>
-              <a:rPr lang="en-US" sz="5100" dirty="0">
-                <a:solidFill>
-                  <a:schemeClr val="bg1"/>
-                </a:solidFill>
-                <a:latin typeface="Arial" panose="020B0604020202020204" pitchFamily="34" charset="0"/>
-                <a:cs typeface="Arial" panose="020B0604020202020204" pitchFamily="34" charset="0"/>
-              </a:rPr>
-              <a:t>References</a:t>
-            </a:r>
-          </a:p>
-        </p:txBody>
-      </p:sp>
-      <p:sp>
-        <p:nvSpPr>
           <p:cNvPr id="11" name="Text Box 9"/>
           <p:cNvSpPr txBox="1">
             <a:spLocks noChangeArrowheads="1"/>
@@ -3751,54 +3703,6 @@
       </p:sp>
       <p:sp>
         <p:nvSpPr>
-          <p:cNvPr id="17" name="Rectangle 15"/>
-          <p:cNvSpPr>
-            <a:spLocks noChangeArrowheads="1"/>
-          </p:cNvSpPr>
-          <p:nvPr/>
-        </p:nvSpPr>
-        <p:spPr bwMode="auto">
-          <a:xfrm>
-            <a:off x="207820" y="26255662"/>
-            <a:ext cx="10358438" cy="784225"/>
-          </a:xfrm>
-          <a:prstGeom prst="rect">
-            <a:avLst/>
-          </a:prstGeom>
-          <a:solidFill>
-            <a:schemeClr val="accent5">
-              <a:lumMod val="50000"/>
-            </a:schemeClr>
-          </a:solidFill>
-          <a:ln>
-            <a:noFill/>
-          </a:ln>
-          <a:effectLst/>
-        </p:spPr>
-        <p:txBody>
-          <a:bodyPr wrap="none" lIns="137160" tIns="68580" rIns="137160" bIns="68580" anchor="ctr"/>
-          <a:lstStyle>
-            <a:defPPr>
-              <a:defRPr kern="1200" smtId="4294967295"/>
-            </a:defPPr>
-          </a:lstStyle>
-          <a:p>
-            <a:pPr defTabSz="4703763"/>
-            <a:r>
-              <a:rPr lang="en-US" sz="5100" dirty="0">
-                <a:solidFill>
-                  <a:schemeClr val="bg1"/>
-                </a:solidFill>
-                <a:latin typeface="Arial" panose="020B0604020202020204" pitchFamily="34" charset="0"/>
-                <a:cs typeface="Arial" panose="020B0604020202020204" pitchFamily="34" charset="0"/>
-              </a:rPr>
-              <a:t>Hypothesis</a:t>
-            </a:r>
-          </a:p>
-        </p:txBody>
-      </p:sp>
-      <p:sp>
-        <p:nvSpPr>
           <p:cNvPr id="18" name="Text Box 16"/>
           <p:cNvSpPr txBox="1">
             <a:spLocks noChangeArrowheads="1"/>
@@ -3978,54 +3882,6 @@
           <a:p>
             <a:pPr eaLnBrk="1" hangingPunct="1"/>
             <a:endParaRPr lang="en-US" sz="3400" dirty="0"/>
-          </a:p>
-        </p:txBody>
-      </p:sp>
-      <p:sp>
-        <p:nvSpPr>
-          <p:cNvPr id="19" name="Rectangle 17"/>
-          <p:cNvSpPr>
-            <a:spLocks noChangeArrowheads="1"/>
-          </p:cNvSpPr>
-          <p:nvPr/>
-        </p:nvSpPr>
-        <p:spPr bwMode="auto">
-          <a:xfrm>
-            <a:off x="207820" y="21750338"/>
-            <a:ext cx="10358438" cy="782637"/>
-          </a:xfrm>
-          <a:prstGeom prst="rect">
-            <a:avLst/>
-          </a:prstGeom>
-          <a:solidFill>
-            <a:schemeClr val="accent5">
-              <a:lumMod val="50000"/>
-            </a:schemeClr>
-          </a:solidFill>
-          <a:ln>
-            <a:noFill/>
-          </a:ln>
-          <a:effectLst/>
-        </p:spPr>
-        <p:txBody>
-          <a:bodyPr wrap="none" lIns="137160" tIns="68580" rIns="137160" bIns="68580" anchor="ctr"/>
-          <a:lstStyle>
-            <a:defPPr>
-              <a:defRPr kern="1200" smtId="4294967295"/>
-            </a:defPPr>
-          </a:lstStyle>
-          <a:p>
-            <a:pPr defTabSz="4703763"/>
-            <a:r>
-              <a:rPr lang="en-US" sz="5100" dirty="0">
-                <a:solidFill>
-                  <a:schemeClr val="bg1"/>
-                </a:solidFill>
-                <a:latin typeface="Arial" panose="020B0604020202020204" pitchFamily="34" charset="0"/>
-                <a:cs typeface="Arial" panose="020B0604020202020204" pitchFamily="34" charset="0"/>
-              </a:rPr>
-              <a:t>Questions</a:t>
-            </a:r>
           </a:p>
         </p:txBody>
       </p:sp>
@@ -4254,54 +4110,6 @@
       </p:sp>
       <p:sp>
         <p:nvSpPr>
-          <p:cNvPr id="23" name="Rectangle 21"/>
-          <p:cNvSpPr>
-            <a:spLocks noChangeArrowheads="1"/>
-          </p:cNvSpPr>
-          <p:nvPr/>
-        </p:nvSpPr>
-        <p:spPr bwMode="auto">
-          <a:xfrm>
-            <a:off x="33283379" y="12017375"/>
-            <a:ext cx="10358437" cy="784225"/>
-          </a:xfrm>
-          <a:prstGeom prst="rect">
-            <a:avLst/>
-          </a:prstGeom>
-          <a:solidFill>
-            <a:schemeClr val="accent5">
-              <a:lumMod val="50000"/>
-            </a:schemeClr>
-          </a:solidFill>
-          <a:ln>
-            <a:noFill/>
-          </a:ln>
-          <a:effectLst/>
-        </p:spPr>
-        <p:txBody>
-          <a:bodyPr wrap="none" lIns="137160" tIns="68580" rIns="137160" bIns="68580" anchor="ctr"/>
-          <a:lstStyle>
-            <a:defPPr>
-              <a:defRPr kern="1200" smtId="4294967295"/>
-            </a:defPPr>
-          </a:lstStyle>
-          <a:p>
-            <a:pPr defTabSz="4703763"/>
-            <a:r>
-              <a:rPr lang="en-US" sz="5100" dirty="0">
-                <a:solidFill>
-                  <a:schemeClr val="bg1"/>
-                </a:solidFill>
-                <a:latin typeface="Arial" panose="020B0604020202020204" pitchFamily="34" charset="0"/>
-                <a:cs typeface="Arial" panose="020B0604020202020204" pitchFamily="34" charset="0"/>
-              </a:rPr>
-              <a:t>Conclusion</a:t>
-            </a:r>
-          </a:p>
-        </p:txBody>
-      </p:sp>
-      <p:sp>
-        <p:nvSpPr>
           <p:cNvPr id="25" name="Rectangle 23"/>
           <p:cNvSpPr>
             <a:spLocks noChangeArrowheads="1"/>
@@ -4780,40 +4588,7 @@
                 <a:ea typeface="ヒラギノ角ゴ Pro W3"/>
                 <a:cs typeface="Times New Roman" panose="02020603050405020304" pitchFamily="18" charset="0"/>
               </a:rPr>
-              <a:t>A functioning mobile app in which its purpose is to assist the user in various ways for the fiddle or violin. It allows the user to create a profile and keep up with progression on learning their instrument. It additionally helps the player tune their instrument by recording the pitch of the instrument and notifying the user to tune the instrument to a higher or lower pitch. This app also helps the user learn basic scales and keeps up with tempo using a metronome</a:t>
-            </a:r>
-            <a:r>
-              <a:rPr lang="en-US" sz="3200" dirty="0" smtClean="0">
-                <a:solidFill>
-                  <a:srgbClr val="000000"/>
-                </a:solidFill>
-                <a:latin typeface="System Font Regular"/>
-                <a:ea typeface="ヒラギノ角ゴ Pro W3"/>
-                <a:cs typeface="Times New Roman" panose="02020603050405020304" pitchFamily="18" charset="0"/>
-              </a:rPr>
-              <a:t>. The app has built in support for all major and minor scales, both major </a:t>
-            </a:r>
-            <a:r>
-              <a:rPr lang="en-US" sz="3200" dirty="0">
-                <a:solidFill>
-                  <a:srgbClr val="000000"/>
-                </a:solidFill>
-                <a:latin typeface="System Font Regular"/>
-                <a:ea typeface="ヒラギノ角ゴ Pro W3"/>
-                <a:cs typeface="Times New Roman" panose="02020603050405020304" pitchFamily="18" charset="0"/>
-              </a:rPr>
-              <a:t>and minor, as well as chromatic scales </a:t>
-            </a:r>
-            <a:r>
-              <a:rPr lang="en-US" sz="3200" dirty="0" smtClean="0">
-                <a:solidFill>
-                  <a:srgbClr val="000000"/>
-                </a:solidFill>
-                <a:latin typeface="System Font Regular"/>
-                <a:ea typeface="ヒラギノ角ゴ Pro W3"/>
-                <a:cs typeface="Times New Roman" panose="02020603050405020304" pitchFamily="18" charset="0"/>
-              </a:rPr>
-              <a:t>in first position. It covers two octaves.</a:t>
+              <a:t>A functioning mobile app in which its purpose is to assist the user in various ways for the fiddle or violin. It allows the user to create a profile and keep up with progression on learning their instrument. It additionally helps the player tune their instrument by recording the pitch of the instrument and notifying the user to tune the instrument to a higher or lower pitch. This app also helps the user learn basic scales and keeps up with tempo using a metronome. The app has built in support for all major and minor scales, both major and minor, as well as chromatic scales in first position. It covers two octaves.</a:t>
             </a:r>
             <a:endParaRPr lang="en-US" sz="3200" dirty="0">
               <a:solidFill>
@@ -4897,10 +4672,9 @@
           <a:lstStyle/>
           <a:p>
             <a:r>
-              <a:rPr lang="en-US" sz="3600" dirty="0" smtClean="0"/>
+              <a:rPr lang="en-US" sz="3600" dirty="0"/>
               <a:t>Tuning Menu</a:t>
             </a:r>
-            <a:endParaRPr lang="en-US" sz="3600" dirty="0"/>
           </a:p>
         </p:txBody>
       </p:sp>
@@ -4927,10 +4701,9 @@
           <a:lstStyle/>
           <a:p>
             <a:r>
-              <a:rPr lang="en-US" sz="3600" dirty="0" smtClean="0"/>
+              <a:rPr lang="en-US" sz="3600" dirty="0"/>
               <a:t>Scale Menu</a:t>
             </a:r>
-            <a:endParaRPr lang="en-US" sz="3600" dirty="0"/>
           </a:p>
         </p:txBody>
       </p:sp>
@@ -5104,7 +4877,7 @@
               </a:spcAft>
             </a:pPr>
             <a:r>
-              <a:rPr lang="en-US" sz="3200" dirty="0" smtClean="0">
+              <a:rPr lang="en-US" sz="3200" dirty="0">
                 <a:solidFill>
                   <a:srgbClr val="474747"/>
                 </a:solidFill>
@@ -5115,7 +4888,7 @@
               <a:t>Application written entirely in C#. It was built using Visual Studio Community 2017 using </a:t>
             </a:r>
             <a:r>
-              <a:rPr lang="en-US" sz="3200" dirty="0" err="1" smtClean="0">
+              <a:rPr lang="en-US" sz="3200" dirty="0" err="1">
                 <a:solidFill>
                   <a:srgbClr val="474747"/>
                 </a:solidFill>
@@ -5126,7 +4899,7 @@
               <a:t>Xamarin</a:t>
             </a:r>
             <a:r>
-              <a:rPr lang="en-US" sz="3200" dirty="0" smtClean="0">
+              <a:rPr lang="en-US" sz="3200" dirty="0">
                 <a:solidFill>
                   <a:srgbClr val="474747"/>
                 </a:solidFill>
@@ -5136,14 +4909,6 @@
               </a:rPr>
               <a:t> for Android development. </a:t>
             </a:r>
-            <a:endParaRPr lang="en-US" sz="3200" dirty="0">
-              <a:solidFill>
-                <a:srgbClr val="474747"/>
-              </a:solidFill>
-              <a:latin typeface="System Font Regular"/>
-              <a:ea typeface="ヒラギノ角ゴ Pro W3"/>
-              <a:cs typeface="Times New Roman" panose="02020603050405020304" pitchFamily="18" charset="0"/>
-            </a:endParaRPr>
           </a:p>
         </p:txBody>
       </p:sp>
